--- a/15_Ch11_Stream.pptx
+++ b/15_Ch11_Stream.pptx
@@ -5,17 +5,21 @@
     <p:sldMasterId id="2147483648" r:id="rId1"/>
   </p:sldMasterIdLst>
   <p:notesMasterIdLst>
-    <p:notesMasterId r:id="rId10"/>
+    <p:notesMasterId r:id="rId14"/>
   </p:notesMasterIdLst>
   <p:sldIdLst>
     <p:sldId id="256" r:id="rId2"/>
     <p:sldId id="258" r:id="rId3"/>
     <p:sldId id="265" r:id="rId4"/>
-    <p:sldId id="260" r:id="rId5"/>
-    <p:sldId id="262" r:id="rId6"/>
-    <p:sldId id="263" r:id="rId7"/>
-    <p:sldId id="264" r:id="rId8"/>
-    <p:sldId id="259" r:id="rId9"/>
+    <p:sldId id="262" r:id="rId5"/>
+    <p:sldId id="266" r:id="rId6"/>
+    <p:sldId id="267" r:id="rId7"/>
+    <p:sldId id="269" r:id="rId8"/>
+    <p:sldId id="268" r:id="rId9"/>
+    <p:sldId id="270" r:id="rId10"/>
+    <p:sldId id="271" r:id="rId11"/>
+    <p:sldId id="272" r:id="rId12"/>
+    <p:sldId id="259" r:id="rId13"/>
   </p:sldIdLst>
   <p:sldSz cx="9144000" cy="6858000" type="screen4x3"/>
   <p:notesSz cx="6858000" cy="9144000"/>
@@ -114,6 +118,22 @@
       </a:defRPr>
     </a:lvl9pPr>
   </p:defaultTextStyle>
+  <p:extLst>
+    <p:ext uri="{EFAFB233-063F-42B5-8137-9DF3F51BA10A}">
+      <p15:sldGuideLst xmlns:p15="http://schemas.microsoft.com/office/powerpoint/2012/main">
+        <p15:guide id="1" orient="horz" pos="2160">
+          <p15:clr>
+            <a:srgbClr val="A4A3A4"/>
+          </p15:clr>
+        </p15:guide>
+        <p15:guide id="2" pos="2880">
+          <p15:clr>
+            <a:srgbClr val="A4A3A4"/>
+          </p15:clr>
+        </p15:guide>
+      </p15:sldGuideLst>
+    </p:ext>
+  </p:extLst>
 </p:presentation>
 </file>
 
@@ -200,7 +220,7 @@
             <a:fld id="{6837EDA8-41C8-4B24-A206-13C08A65A6D7}" type="datetimeFigureOut">
               <a:rPr lang="zh-TW" altLang="en-US" smtClean="0"/>
               <a:pPr/>
-              <a:t>2018/10/3</a:t>
+              <a:t>2019/2/28</a:t>
             </a:fld>
             <a:endParaRPr lang="zh-TW" altLang="en-US"/>
           </a:p>
@@ -266,38 +286,37 @@
           <a:p>
             <a:pPr lvl="0"/>
             <a:r>
-              <a:rPr lang="zh-TW" altLang="en-US" smtClean="0"/>
+              <a:rPr lang="zh-TW" altLang="en-US"/>
               <a:t>按一下以編輯母片文字樣式</a:t>
             </a:r>
           </a:p>
           <a:p>
             <a:pPr lvl="1"/>
             <a:r>
-              <a:rPr lang="zh-TW" altLang="en-US" smtClean="0"/>
+              <a:rPr lang="zh-TW" altLang="en-US"/>
               <a:t>第二層</a:t>
             </a:r>
           </a:p>
           <a:p>
             <a:pPr lvl="2"/>
             <a:r>
-              <a:rPr lang="zh-TW" altLang="en-US" smtClean="0"/>
+              <a:rPr lang="zh-TW" altLang="en-US"/>
               <a:t>第三層</a:t>
             </a:r>
           </a:p>
           <a:p>
             <a:pPr lvl="3"/>
             <a:r>
-              <a:rPr lang="zh-TW" altLang="en-US" smtClean="0"/>
+              <a:rPr lang="zh-TW" altLang="en-US"/>
               <a:t>第四層</a:t>
             </a:r>
           </a:p>
           <a:p>
             <a:pPr lvl="4"/>
             <a:r>
-              <a:rPr lang="zh-TW" altLang="en-US" smtClean="0"/>
+              <a:rPr lang="zh-TW" altLang="en-US"/>
               <a:t>第五層</a:t>
             </a:r>
-            <a:endParaRPr lang="zh-TW" altLang="en-US"/>
           </a:p>
         </p:txBody>
       </p:sp>
@@ -504,10 +523,9 @@
           <a:lstStyle/>
           <a:p>
             <a:r>
-              <a:rPr lang="zh-TW" altLang="en-US" smtClean="0"/>
+              <a:rPr lang="zh-TW" altLang="en-US"/>
               <a:t>按一下以編輯母片標題樣式</a:t>
             </a:r>
-            <a:endParaRPr lang="zh-TW" altLang="en-US"/>
           </a:p>
         </p:txBody>
       </p:sp>
@@ -627,10 +645,9 @@
           </a:lstStyle>
           <a:p>
             <a:r>
-              <a:rPr lang="zh-TW" altLang="en-US" dirty="0" smtClean="0"/>
+              <a:rPr lang="zh-TW" altLang="en-US" dirty="0"/>
               <a:t>  按一下以編輯母片副標題樣式</a:t>
             </a:r>
-            <a:endParaRPr lang="zh-TW" altLang="en-US" dirty="0"/>
           </a:p>
         </p:txBody>
       </p:sp>
@@ -660,7 +677,7 @@
             <a:fld id="{8B85509C-BD4F-47BF-9B1E-FC2E949B3621}" type="datetime1">
               <a:rPr lang="zh-TW" altLang="en-US" smtClean="0"/>
               <a:pPr/>
-              <a:t>2018/10/3</a:t>
+              <a:t>2019/2/28</a:t>
             </a:fld>
             <a:endParaRPr lang="zh-TW" altLang="en-US"/>
           </a:p>
@@ -758,10 +775,9 @@
           <a:lstStyle/>
           <a:p>
             <a:r>
-              <a:rPr lang="zh-TW" altLang="en-US" smtClean="0"/>
+              <a:rPr lang="zh-TW" altLang="en-US"/>
               <a:t>按一下以編輯母片標題樣式</a:t>
             </a:r>
-            <a:endParaRPr lang="zh-TW" altLang="en-US"/>
           </a:p>
         </p:txBody>
       </p:sp>
@@ -782,38 +798,37 @@
           <a:p>
             <a:pPr lvl="0"/>
             <a:r>
-              <a:rPr lang="zh-TW" altLang="en-US" smtClean="0"/>
+              <a:rPr lang="zh-TW" altLang="en-US"/>
               <a:t>按一下以編輯母片文字樣式</a:t>
             </a:r>
           </a:p>
           <a:p>
             <a:pPr lvl="1"/>
             <a:r>
-              <a:rPr lang="zh-TW" altLang="en-US" smtClean="0"/>
+              <a:rPr lang="zh-TW" altLang="en-US"/>
               <a:t>第二層</a:t>
             </a:r>
           </a:p>
           <a:p>
             <a:pPr lvl="2"/>
             <a:r>
-              <a:rPr lang="zh-TW" altLang="en-US" smtClean="0"/>
+              <a:rPr lang="zh-TW" altLang="en-US"/>
               <a:t>第三層</a:t>
             </a:r>
           </a:p>
           <a:p>
             <a:pPr lvl="3"/>
             <a:r>
-              <a:rPr lang="zh-TW" altLang="en-US" smtClean="0"/>
+              <a:rPr lang="zh-TW" altLang="en-US"/>
               <a:t>第四層</a:t>
             </a:r>
           </a:p>
           <a:p>
             <a:pPr lvl="4"/>
             <a:r>
-              <a:rPr lang="zh-TW" altLang="en-US" smtClean="0"/>
+              <a:rPr lang="zh-TW" altLang="en-US"/>
               <a:t>第五層</a:t>
             </a:r>
-            <a:endParaRPr lang="zh-TW" altLang="en-US"/>
           </a:p>
         </p:txBody>
       </p:sp>
@@ -835,7 +850,7 @@
             <a:fld id="{42251B24-F787-4C15-8A0F-7AEC20C70069}" type="datetime1">
               <a:rPr lang="zh-TW" altLang="en-US" smtClean="0"/>
               <a:pPr/>
-              <a:t>2018/10/3</a:t>
+              <a:t>2019/2/28</a:t>
             </a:fld>
             <a:endParaRPr lang="zh-TW" altLang="en-US"/>
           </a:p>
@@ -930,10 +945,9 @@
           <a:lstStyle/>
           <a:p>
             <a:r>
-              <a:rPr lang="zh-TW" altLang="en-US" smtClean="0"/>
+              <a:rPr lang="zh-TW" altLang="en-US"/>
               <a:t>按一下以編輯母片標題樣式</a:t>
             </a:r>
-            <a:endParaRPr lang="zh-TW" altLang="en-US"/>
           </a:p>
         </p:txBody>
       </p:sp>
@@ -959,38 +973,37 @@
           <a:p>
             <a:pPr lvl="0"/>
             <a:r>
-              <a:rPr lang="zh-TW" altLang="en-US" smtClean="0"/>
+              <a:rPr lang="zh-TW" altLang="en-US"/>
               <a:t>按一下以編輯母片文字樣式</a:t>
             </a:r>
           </a:p>
           <a:p>
             <a:pPr lvl="1"/>
             <a:r>
-              <a:rPr lang="zh-TW" altLang="en-US" smtClean="0"/>
+              <a:rPr lang="zh-TW" altLang="en-US"/>
               <a:t>第二層</a:t>
             </a:r>
           </a:p>
           <a:p>
             <a:pPr lvl="2"/>
             <a:r>
-              <a:rPr lang="zh-TW" altLang="en-US" smtClean="0"/>
+              <a:rPr lang="zh-TW" altLang="en-US"/>
               <a:t>第三層</a:t>
             </a:r>
           </a:p>
           <a:p>
             <a:pPr lvl="3"/>
             <a:r>
-              <a:rPr lang="zh-TW" altLang="en-US" smtClean="0"/>
+              <a:rPr lang="zh-TW" altLang="en-US"/>
               <a:t>第四層</a:t>
             </a:r>
           </a:p>
           <a:p>
             <a:pPr lvl="4"/>
             <a:r>
-              <a:rPr lang="zh-TW" altLang="en-US" smtClean="0"/>
+              <a:rPr lang="zh-TW" altLang="en-US"/>
               <a:t>第五層</a:t>
             </a:r>
-            <a:endParaRPr lang="zh-TW" altLang="en-US"/>
           </a:p>
         </p:txBody>
       </p:sp>
@@ -1012,7 +1025,7 @@
             <a:fld id="{9CA0D33C-CE2B-45F1-B8D4-FFD1F131F331}" type="datetime1">
               <a:rPr lang="zh-TW" altLang="en-US" smtClean="0"/>
               <a:pPr/>
-              <a:t>2018/10/3</a:t>
+              <a:t>2019/2/28</a:t>
             </a:fld>
             <a:endParaRPr lang="zh-TW" altLang="en-US"/>
           </a:p>
@@ -1102,10 +1115,9 @@
           <a:lstStyle/>
           <a:p>
             <a:r>
-              <a:rPr lang="zh-TW" altLang="en-US" smtClean="0"/>
+              <a:rPr lang="zh-TW" altLang="en-US"/>
               <a:t>按一下以編輯母片標題樣式</a:t>
             </a:r>
-            <a:endParaRPr lang="zh-TW" altLang="en-US"/>
           </a:p>
         </p:txBody>
       </p:sp>
@@ -1126,38 +1138,37 @@
           <a:p>
             <a:pPr lvl="0"/>
             <a:r>
-              <a:rPr lang="zh-TW" altLang="en-US" smtClean="0"/>
+              <a:rPr lang="zh-TW" altLang="en-US"/>
               <a:t>按一下以編輯母片文字樣式</a:t>
             </a:r>
           </a:p>
           <a:p>
             <a:pPr lvl="1"/>
             <a:r>
-              <a:rPr lang="zh-TW" altLang="en-US" smtClean="0"/>
+              <a:rPr lang="zh-TW" altLang="en-US"/>
               <a:t>第二層</a:t>
             </a:r>
           </a:p>
           <a:p>
             <a:pPr lvl="2"/>
             <a:r>
-              <a:rPr lang="zh-TW" altLang="en-US" smtClean="0"/>
+              <a:rPr lang="zh-TW" altLang="en-US"/>
               <a:t>第三層</a:t>
             </a:r>
           </a:p>
           <a:p>
             <a:pPr lvl="3"/>
             <a:r>
-              <a:rPr lang="zh-TW" altLang="en-US" smtClean="0"/>
+              <a:rPr lang="zh-TW" altLang="en-US"/>
               <a:t>第四層</a:t>
             </a:r>
           </a:p>
           <a:p>
             <a:pPr lvl="4"/>
             <a:r>
-              <a:rPr lang="zh-TW" altLang="en-US" smtClean="0"/>
+              <a:rPr lang="zh-TW" altLang="en-US"/>
               <a:t>第五層</a:t>
             </a:r>
-            <a:endParaRPr lang="zh-TW" altLang="en-US"/>
           </a:p>
         </p:txBody>
       </p:sp>
@@ -1179,7 +1190,7 @@
             <a:fld id="{50B99440-D9EF-40CC-9B52-F6428D9B2C76}" type="datetime1">
               <a:rPr lang="zh-TW" altLang="en-US" smtClean="0"/>
               <a:pPr/>
-              <a:t>2018/10/3</a:t>
+              <a:t>2019/2/28</a:t>
             </a:fld>
             <a:endParaRPr lang="zh-TW" altLang="en-US"/>
           </a:p>
@@ -1278,10 +1289,9 @@
           </a:lstStyle>
           <a:p>
             <a:r>
-              <a:rPr lang="zh-TW" altLang="en-US" smtClean="0"/>
+              <a:rPr lang="zh-TW" altLang="en-US"/>
               <a:t>按一下以編輯母片標題樣式</a:t>
             </a:r>
-            <a:endParaRPr lang="zh-TW" altLang="en-US"/>
           </a:p>
         </p:txBody>
       </p:sp>
@@ -1398,7 +1408,7 @@
           <a:p>
             <a:pPr lvl="0"/>
             <a:r>
-              <a:rPr lang="zh-TW" altLang="en-US" smtClean="0"/>
+              <a:rPr lang="zh-TW" altLang="en-US"/>
               <a:t>按一下以編輯母片文字樣式</a:t>
             </a:r>
           </a:p>
@@ -1422,7 +1432,7 @@
             <a:fld id="{0871BF52-5C6C-4959-8E27-CECB68D39FE4}" type="datetime1">
               <a:rPr lang="zh-TW" altLang="en-US" smtClean="0"/>
               <a:pPr/>
-              <a:t>2018/10/3</a:t>
+              <a:t>2019/2/28</a:t>
             </a:fld>
             <a:endParaRPr lang="zh-TW" altLang="en-US"/>
           </a:p>
@@ -1512,10 +1522,9 @@
           <a:lstStyle/>
           <a:p>
             <a:r>
-              <a:rPr lang="zh-TW" altLang="en-US" smtClean="0"/>
+              <a:rPr lang="zh-TW" altLang="en-US"/>
               <a:t>按一下以編輯母片標題樣式</a:t>
             </a:r>
-            <a:endParaRPr lang="zh-TW" altLang="en-US"/>
           </a:p>
         </p:txBody>
       </p:sp>
@@ -1569,38 +1578,37 @@
           <a:p>
             <a:pPr lvl="0"/>
             <a:r>
-              <a:rPr lang="zh-TW" altLang="en-US" smtClean="0"/>
+              <a:rPr lang="zh-TW" altLang="en-US"/>
               <a:t>按一下以編輯母片文字樣式</a:t>
             </a:r>
           </a:p>
           <a:p>
             <a:pPr lvl="1"/>
             <a:r>
-              <a:rPr lang="zh-TW" altLang="en-US" smtClean="0"/>
+              <a:rPr lang="zh-TW" altLang="en-US"/>
               <a:t>第二層</a:t>
             </a:r>
           </a:p>
           <a:p>
             <a:pPr lvl="2"/>
             <a:r>
-              <a:rPr lang="zh-TW" altLang="en-US" smtClean="0"/>
+              <a:rPr lang="zh-TW" altLang="en-US"/>
               <a:t>第三層</a:t>
             </a:r>
           </a:p>
           <a:p>
             <a:pPr lvl="3"/>
             <a:r>
-              <a:rPr lang="zh-TW" altLang="en-US" smtClean="0"/>
+              <a:rPr lang="zh-TW" altLang="en-US"/>
               <a:t>第四層</a:t>
             </a:r>
           </a:p>
           <a:p>
             <a:pPr lvl="4"/>
             <a:r>
-              <a:rPr lang="zh-TW" altLang="en-US" smtClean="0"/>
+              <a:rPr lang="zh-TW" altLang="en-US"/>
               <a:t>第五層</a:t>
             </a:r>
-            <a:endParaRPr lang="zh-TW" altLang="en-US"/>
           </a:p>
         </p:txBody>
       </p:sp>
@@ -1654,38 +1662,37 @@
           <a:p>
             <a:pPr lvl="0"/>
             <a:r>
-              <a:rPr lang="zh-TW" altLang="en-US" smtClean="0"/>
+              <a:rPr lang="zh-TW" altLang="en-US"/>
               <a:t>按一下以編輯母片文字樣式</a:t>
             </a:r>
           </a:p>
           <a:p>
             <a:pPr lvl="1"/>
             <a:r>
-              <a:rPr lang="zh-TW" altLang="en-US" smtClean="0"/>
+              <a:rPr lang="zh-TW" altLang="en-US"/>
               <a:t>第二層</a:t>
             </a:r>
           </a:p>
           <a:p>
             <a:pPr lvl="2"/>
             <a:r>
-              <a:rPr lang="zh-TW" altLang="en-US" smtClean="0"/>
+              <a:rPr lang="zh-TW" altLang="en-US"/>
               <a:t>第三層</a:t>
             </a:r>
           </a:p>
           <a:p>
             <a:pPr lvl="3"/>
             <a:r>
-              <a:rPr lang="zh-TW" altLang="en-US" smtClean="0"/>
+              <a:rPr lang="zh-TW" altLang="en-US"/>
               <a:t>第四層</a:t>
             </a:r>
           </a:p>
           <a:p>
             <a:pPr lvl="4"/>
             <a:r>
-              <a:rPr lang="zh-TW" altLang="en-US" smtClean="0"/>
+              <a:rPr lang="zh-TW" altLang="en-US"/>
               <a:t>第五層</a:t>
             </a:r>
-            <a:endParaRPr lang="zh-TW" altLang="en-US"/>
           </a:p>
         </p:txBody>
       </p:sp>
@@ -1707,7 +1714,7 @@
             <a:fld id="{DF863F05-2DD9-4EB1-A827-12FD992DE9DC}" type="datetime1">
               <a:rPr lang="zh-TW" altLang="en-US" smtClean="0"/>
               <a:pPr/>
-              <a:t>2018/10/3</a:t>
+              <a:t>2019/2/28</a:t>
             </a:fld>
             <a:endParaRPr lang="zh-TW" altLang="en-US"/>
           </a:p>
@@ -1801,10 +1808,9 @@
           </a:lstStyle>
           <a:p>
             <a:r>
-              <a:rPr lang="zh-TW" altLang="en-US" smtClean="0"/>
+              <a:rPr lang="zh-TW" altLang="en-US"/>
               <a:t>按一下以編輯母片標題樣式</a:t>
             </a:r>
-            <a:endParaRPr lang="zh-TW" altLang="en-US"/>
           </a:p>
         </p:txBody>
       </p:sp>
@@ -1867,7 +1873,7 @@
           <a:p>
             <a:pPr lvl="0"/>
             <a:r>
-              <a:rPr lang="zh-TW" altLang="en-US" smtClean="0"/>
+              <a:rPr lang="zh-TW" altLang="en-US"/>
               <a:t>按一下以編輯母片文字樣式</a:t>
             </a:r>
           </a:p>
@@ -1923,38 +1929,37 @@
           <a:p>
             <a:pPr lvl="0"/>
             <a:r>
-              <a:rPr lang="zh-TW" altLang="en-US" smtClean="0"/>
+              <a:rPr lang="zh-TW" altLang="en-US"/>
               <a:t>按一下以編輯母片文字樣式</a:t>
             </a:r>
           </a:p>
           <a:p>
             <a:pPr lvl="1"/>
             <a:r>
-              <a:rPr lang="zh-TW" altLang="en-US" smtClean="0"/>
+              <a:rPr lang="zh-TW" altLang="en-US"/>
               <a:t>第二層</a:t>
             </a:r>
           </a:p>
           <a:p>
             <a:pPr lvl="2"/>
             <a:r>
-              <a:rPr lang="zh-TW" altLang="en-US" smtClean="0"/>
+              <a:rPr lang="zh-TW" altLang="en-US"/>
               <a:t>第三層</a:t>
             </a:r>
           </a:p>
           <a:p>
             <a:pPr lvl="3"/>
             <a:r>
-              <a:rPr lang="zh-TW" altLang="en-US" smtClean="0"/>
+              <a:rPr lang="zh-TW" altLang="en-US"/>
               <a:t>第四層</a:t>
             </a:r>
           </a:p>
           <a:p>
             <a:pPr lvl="4"/>
             <a:r>
-              <a:rPr lang="zh-TW" altLang="en-US" smtClean="0"/>
+              <a:rPr lang="zh-TW" altLang="en-US"/>
               <a:t>第五層</a:t>
             </a:r>
-            <a:endParaRPr lang="zh-TW" altLang="en-US"/>
           </a:p>
         </p:txBody>
       </p:sp>
@@ -2017,7 +2022,7 @@
           <a:p>
             <a:pPr lvl="0"/>
             <a:r>
-              <a:rPr lang="zh-TW" altLang="en-US" smtClean="0"/>
+              <a:rPr lang="zh-TW" altLang="en-US"/>
               <a:t>按一下以編輯母片文字樣式</a:t>
             </a:r>
           </a:p>
@@ -2073,38 +2078,37 @@
           <a:p>
             <a:pPr lvl="0"/>
             <a:r>
-              <a:rPr lang="zh-TW" altLang="en-US" smtClean="0"/>
+              <a:rPr lang="zh-TW" altLang="en-US"/>
               <a:t>按一下以編輯母片文字樣式</a:t>
             </a:r>
           </a:p>
           <a:p>
             <a:pPr lvl="1"/>
             <a:r>
-              <a:rPr lang="zh-TW" altLang="en-US" smtClean="0"/>
+              <a:rPr lang="zh-TW" altLang="en-US"/>
               <a:t>第二層</a:t>
             </a:r>
           </a:p>
           <a:p>
             <a:pPr lvl="2"/>
             <a:r>
-              <a:rPr lang="zh-TW" altLang="en-US" smtClean="0"/>
+              <a:rPr lang="zh-TW" altLang="en-US"/>
               <a:t>第三層</a:t>
             </a:r>
           </a:p>
           <a:p>
             <a:pPr lvl="3"/>
             <a:r>
-              <a:rPr lang="zh-TW" altLang="en-US" smtClean="0"/>
+              <a:rPr lang="zh-TW" altLang="en-US"/>
               <a:t>第四層</a:t>
             </a:r>
           </a:p>
           <a:p>
             <a:pPr lvl="4"/>
             <a:r>
-              <a:rPr lang="zh-TW" altLang="en-US" smtClean="0"/>
+              <a:rPr lang="zh-TW" altLang="en-US"/>
               <a:t>第五層</a:t>
             </a:r>
-            <a:endParaRPr lang="zh-TW" altLang="en-US"/>
           </a:p>
         </p:txBody>
       </p:sp>
@@ -2126,7 +2130,7 @@
             <a:fld id="{6339AF51-4491-4873-A096-75DB6CE47516}" type="datetime1">
               <a:rPr lang="zh-TW" altLang="en-US" smtClean="0"/>
               <a:pPr/>
-              <a:t>2018/10/3</a:t>
+              <a:t>2019/2/28</a:t>
             </a:fld>
             <a:endParaRPr lang="zh-TW" altLang="en-US"/>
           </a:p>
@@ -2216,10 +2220,9 @@
           <a:lstStyle/>
           <a:p>
             <a:r>
-              <a:rPr lang="zh-TW" altLang="en-US" smtClean="0"/>
+              <a:rPr lang="zh-TW" altLang="en-US"/>
               <a:t>按一下以編輯母片標題樣式</a:t>
             </a:r>
-            <a:endParaRPr lang="zh-TW" altLang="en-US"/>
           </a:p>
         </p:txBody>
       </p:sp>
@@ -2241,7 +2244,7 @@
             <a:fld id="{EE4AD9C8-8B9E-40FF-ABE2-858AC2057BBB}" type="datetime1">
               <a:rPr lang="zh-TW" altLang="en-US" smtClean="0"/>
               <a:pPr/>
-              <a:t>2018/10/3</a:t>
+              <a:t>2019/2/28</a:t>
             </a:fld>
             <a:endParaRPr lang="zh-TW" altLang="en-US"/>
           </a:p>
@@ -2333,7 +2336,7 @@
             <a:fld id="{B4784999-BBBE-4BE4-A8D0-877E7D1D66CC}" type="datetime1">
               <a:rPr lang="zh-TW" altLang="en-US" smtClean="0"/>
               <a:pPr/>
-              <a:t>2018/10/3</a:t>
+              <a:t>2019/2/28</a:t>
             </a:fld>
             <a:endParaRPr lang="zh-TW" altLang="en-US"/>
           </a:p>
@@ -2432,10 +2435,9 @@
           </a:lstStyle>
           <a:p>
             <a:r>
-              <a:rPr lang="zh-TW" altLang="en-US" smtClean="0"/>
+              <a:rPr lang="zh-TW" altLang="en-US"/>
               <a:t>按一下以編輯母片標題樣式</a:t>
             </a:r>
-            <a:endParaRPr lang="zh-TW" altLang="en-US"/>
           </a:p>
         </p:txBody>
       </p:sp>
@@ -2489,38 +2491,37 @@
           <a:p>
             <a:pPr lvl="0"/>
             <a:r>
-              <a:rPr lang="zh-TW" altLang="en-US" smtClean="0"/>
+              <a:rPr lang="zh-TW" altLang="en-US"/>
               <a:t>按一下以編輯母片文字樣式</a:t>
             </a:r>
           </a:p>
           <a:p>
             <a:pPr lvl="1"/>
             <a:r>
-              <a:rPr lang="zh-TW" altLang="en-US" smtClean="0"/>
+              <a:rPr lang="zh-TW" altLang="en-US"/>
               <a:t>第二層</a:t>
             </a:r>
           </a:p>
           <a:p>
             <a:pPr lvl="2"/>
             <a:r>
-              <a:rPr lang="zh-TW" altLang="en-US" smtClean="0"/>
+              <a:rPr lang="zh-TW" altLang="en-US"/>
               <a:t>第三層</a:t>
             </a:r>
           </a:p>
           <a:p>
             <a:pPr lvl="3"/>
             <a:r>
-              <a:rPr lang="zh-TW" altLang="en-US" smtClean="0"/>
+              <a:rPr lang="zh-TW" altLang="en-US"/>
               <a:t>第四層</a:t>
             </a:r>
           </a:p>
           <a:p>
             <a:pPr lvl="4"/>
             <a:r>
-              <a:rPr lang="zh-TW" altLang="en-US" smtClean="0"/>
+              <a:rPr lang="zh-TW" altLang="en-US"/>
               <a:t>第五層</a:t>
             </a:r>
-            <a:endParaRPr lang="zh-TW" altLang="en-US"/>
           </a:p>
         </p:txBody>
       </p:sp>
@@ -2583,7 +2584,7 @@
           <a:p>
             <a:pPr lvl="0"/>
             <a:r>
-              <a:rPr lang="zh-TW" altLang="en-US" smtClean="0"/>
+              <a:rPr lang="zh-TW" altLang="en-US"/>
               <a:t>按一下以編輯母片文字樣式</a:t>
             </a:r>
           </a:p>
@@ -2607,7 +2608,7 @@
             <a:fld id="{E88D17E6-02BD-4944-B9FE-7BFCCBF83D48}" type="datetime1">
               <a:rPr lang="zh-TW" altLang="en-US" smtClean="0"/>
               <a:pPr/>
-              <a:t>2018/10/3</a:t>
+              <a:t>2019/2/28</a:t>
             </a:fld>
             <a:endParaRPr lang="zh-TW" altLang="en-US"/>
           </a:p>
@@ -2706,10 +2707,9 @@
           </a:lstStyle>
           <a:p>
             <a:r>
-              <a:rPr lang="zh-TW" altLang="en-US" smtClean="0"/>
+              <a:rPr lang="zh-TW" altLang="en-US"/>
               <a:t>按一下以編輯母片標題樣式</a:t>
             </a:r>
-            <a:endParaRPr lang="zh-TW" altLang="en-US"/>
           </a:p>
         </p:txBody>
       </p:sp>
@@ -2833,7 +2833,7 @@
           <a:p>
             <a:pPr lvl="0"/>
             <a:r>
-              <a:rPr lang="zh-TW" altLang="en-US" smtClean="0"/>
+              <a:rPr lang="zh-TW" altLang="en-US"/>
               <a:t>按一下以編輯母片文字樣式</a:t>
             </a:r>
           </a:p>
@@ -2857,7 +2857,7 @@
             <a:fld id="{3C13E23D-1FEF-4D78-A3A3-3D6F2BB31954}" type="datetime1">
               <a:rPr lang="zh-TW" altLang="en-US" smtClean="0"/>
               <a:pPr/>
-              <a:t>2018/10/3</a:t>
+              <a:t>2019/2/28</a:t>
             </a:fld>
             <a:endParaRPr lang="zh-TW" altLang="en-US"/>
           </a:p>
@@ -2962,10 +2962,9 @@
           <a:lstStyle/>
           <a:p>
             <a:r>
-              <a:rPr lang="zh-TW" altLang="en-US" smtClean="0"/>
+              <a:rPr lang="zh-TW" altLang="en-US"/>
               <a:t>按一下以編輯母片標題樣式</a:t>
             </a:r>
-            <a:endParaRPr lang="zh-TW" altLang="en-US"/>
           </a:p>
         </p:txBody>
       </p:sp>
@@ -2996,38 +2995,37 @@
           <a:p>
             <a:pPr lvl="0"/>
             <a:r>
-              <a:rPr lang="zh-TW" altLang="en-US" smtClean="0"/>
+              <a:rPr lang="zh-TW" altLang="en-US"/>
               <a:t>按一下以編輯母片文字樣式</a:t>
             </a:r>
           </a:p>
           <a:p>
             <a:pPr lvl="1"/>
             <a:r>
-              <a:rPr lang="zh-TW" altLang="en-US" smtClean="0"/>
+              <a:rPr lang="zh-TW" altLang="en-US"/>
               <a:t>第二層</a:t>
             </a:r>
           </a:p>
           <a:p>
             <a:pPr lvl="2"/>
             <a:r>
-              <a:rPr lang="zh-TW" altLang="en-US" smtClean="0"/>
+              <a:rPr lang="zh-TW" altLang="en-US"/>
               <a:t>第三層</a:t>
             </a:r>
           </a:p>
           <a:p>
             <a:pPr lvl="3"/>
             <a:r>
-              <a:rPr lang="zh-TW" altLang="en-US" smtClean="0"/>
+              <a:rPr lang="zh-TW" altLang="en-US"/>
               <a:t>第四層</a:t>
             </a:r>
           </a:p>
           <a:p>
             <a:pPr lvl="4"/>
             <a:r>
-              <a:rPr lang="zh-TW" altLang="en-US" smtClean="0"/>
+              <a:rPr lang="zh-TW" altLang="en-US"/>
               <a:t>第五層</a:t>
             </a:r>
-            <a:endParaRPr lang="zh-TW" altLang="en-US"/>
           </a:p>
         </p:txBody>
       </p:sp>
@@ -3067,7 +3065,7 @@
             <a:fld id="{06197F35-AD6F-4594-8B50-334492D2E7E8}" type="datetime1">
               <a:rPr lang="zh-TW" altLang="en-US" smtClean="0"/>
               <a:pPr/>
-              <a:t>2018/10/3</a:t>
+              <a:t>2019/2/28</a:t>
             </a:fld>
             <a:endParaRPr lang="zh-TW" altLang="en-US"/>
           </a:p>
@@ -3485,7 +3483,7 @@
           <a:lstStyle/>
           <a:p>
             <a:r>
-              <a:rPr lang="en-US" altLang="zh-TW" sz="4800" b="1" dirty="0" smtClean="0">
+              <a:rPr lang="en-US" altLang="zh-TW" sz="4800" b="1" dirty="0">
                 <a:solidFill>
                   <a:srgbClr val="FFFF00"/>
                 </a:solidFill>
@@ -3526,7 +3524,7 @@
               <a:buNone/>
             </a:pPr>
             <a:r>
-              <a:rPr lang="en-US" altLang="zh-TW" dirty="0" smtClean="0">
+              <a:rPr lang="en-US" altLang="zh-TW" dirty="0">
                 <a:solidFill>
                   <a:schemeClr val="tx1"/>
                 </a:solidFill>
@@ -3559,7 +3557,7 @@
             <a:fld id="{C389EDC9-19E3-47AC-9C57-C6A24DEA81AD}" type="datetime1">
               <a:rPr lang="zh-TW" altLang="en-US" smtClean="0"/>
               <a:pPr/>
-              <a:t>2018/10/3</a:t>
+              <a:t>2019/2/28</a:t>
             </a:fld>
             <a:endParaRPr lang="zh-TW" altLang="en-US"/>
           </a:p>
@@ -3629,7 +3627,7 @@
 </p:sld>
 </file>
 
-<file path=ppt/slides/slide2.xml><?xml version="1.0" encoding="utf-8"?>
+<file path=ppt/slides/slide10.xml><?xml version="1.0" encoding="utf-8"?>
 <p:sld xmlns:a="http://schemas.openxmlformats.org/drawingml/2006/main" xmlns:r="http://schemas.openxmlformats.org/officeDocument/2006/relationships" xmlns:p="http://schemas.openxmlformats.org/presentationml/2006/main">
   <p:cSld>
     <p:spTree>
@@ -3694,7 +3692,7 @@
           <a:p>
             <a:pPr algn="l"/>
             <a:r>
-              <a:rPr lang="en-US" altLang="zh-TW" b="1" dirty="0" smtClean="0">
+              <a:rPr lang="en-US" altLang="zh-TW" b="1" dirty="0">
                 <a:solidFill>
                   <a:srgbClr val="FFFF00"/>
                 </a:solidFill>
@@ -3722,7 +3720,7 @@
         <p:spPr>
           <a:xfrm>
             <a:off x="467544" y="1268760"/>
-            <a:ext cx="8424936" cy="5112568"/>
+            <a:ext cx="8424936" cy="1224136"/>
           </a:xfrm>
           <a:ln>
             <a:solidFill>
@@ -3736,139 +3734,23 @@
           </a:bodyPr>
           <a:lstStyle/>
           <a:p>
-            <a:pPr marL="342900" indent="-342900" algn="l">
-              <a:buClr>
-                <a:srgbClr val="0070C0"/>
-              </a:buClr>
-              <a:buSzPct val="80000"/>
-              <a:buFont typeface="Wingdings" pitchFamily="2" charset="2"/>
-              <a:buChar char="u"/>
-            </a:pPr>
-            <a:r>
-              <a:rPr lang="en-US" altLang="zh-TW" b="1" dirty="0" smtClean="0"/>
-              <a:t>What </a:t>
-            </a:r>
-            <a:r>
-              <a:rPr lang="en-US" altLang="zh-TW" b="1" dirty="0" smtClean="0"/>
-              <a:t>are </a:t>
-            </a:r>
-            <a:r>
-              <a:rPr lang="en-US" altLang="zh-TW" b="1" dirty="0" smtClean="0"/>
-              <a:t>Streams?</a:t>
-            </a:r>
-          </a:p>
-          <a:p>
             <a:pPr marL="342900" indent="-342900">
               <a:buSzPct val="80000"/>
             </a:pPr>
             <a:r>
-              <a:rPr lang="en-US" altLang="zh-TW" dirty="0" smtClean="0">
-                <a:solidFill>
-                  <a:schemeClr val="tx1"/>
-                </a:solidFill>
-              </a:rPr>
-              <a:t>Streams </a:t>
-            </a:r>
-            <a:r>
-              <a:rPr lang="en-US" altLang="zh-TW" dirty="0" smtClean="0">
-                <a:solidFill>
-                  <a:schemeClr val="tx1"/>
-                </a:solidFill>
-              </a:rPr>
-              <a:t>are objects that let you read data from a source or write data to a destination in continuous fashion. </a:t>
-            </a:r>
-            <a:r>
-              <a:rPr lang="en-US" altLang="zh-TW" dirty="0" smtClean="0">
-                <a:solidFill>
-                  <a:schemeClr val="tx1"/>
-                </a:solidFill>
-              </a:rPr>
-              <a:t>In </a:t>
-            </a:r>
-            <a:r>
-              <a:rPr lang="en-US" altLang="zh-TW" dirty="0" smtClean="0">
-                <a:solidFill>
-                  <a:schemeClr val="tx1"/>
-                </a:solidFill>
-              </a:rPr>
-              <a:t>Node.js, there are four types of streams </a:t>
-            </a:r>
-            <a:r>
-              <a:rPr lang="en-US" altLang="zh-TW" dirty="0" smtClean="0">
-                <a:solidFill>
-                  <a:schemeClr val="tx1"/>
-                </a:solidFill>
-              </a:rPr>
-              <a:t>−</a:t>
-            </a:r>
-          </a:p>
-          <a:p>
-            <a:pPr marL="723900" indent="-368300">
+              <a:rPr lang="en-US" b="1" dirty="0"/>
+              <a:t>Chaining the Streams: Decompress Zip File</a:t>
+            </a:r>
+          </a:p>
+          <a:p>
+            <a:pPr marL="342900" indent="-342900">
               <a:buSzPct val="80000"/>
             </a:pPr>
             <a:r>
-              <a:rPr lang="en-US" altLang="zh-TW" b="1" dirty="0" smtClean="0"/>
-              <a:t>Readable</a:t>
-            </a:r>
-            <a:r>
-              <a:rPr lang="en-US" altLang="zh-TW" dirty="0" smtClean="0"/>
-              <a:t> − Stream which is used for read </a:t>
-            </a:r>
-            <a:r>
-              <a:rPr lang="en-US" altLang="zh-TW" dirty="0" smtClean="0"/>
-              <a:t>operation.</a:t>
-            </a:r>
-          </a:p>
-          <a:p>
-            <a:pPr marL="723900" indent="-368300">
-              <a:buSzPct val="80000"/>
-            </a:pPr>
-            <a:r>
-              <a:rPr lang="en-US" altLang="zh-TW" b="1" dirty="0" smtClean="0"/>
-              <a:t>Writable</a:t>
-            </a:r>
-            <a:r>
-              <a:rPr lang="en-US" altLang="zh-TW" dirty="0" smtClean="0"/>
-              <a:t> − Stream which is used for write </a:t>
-            </a:r>
-            <a:r>
-              <a:rPr lang="en-US" altLang="zh-TW" dirty="0" smtClean="0"/>
-              <a:t>operation.</a:t>
-            </a:r>
-          </a:p>
-          <a:p>
-            <a:pPr marL="723900" indent="-368300">
-              <a:buSzPct val="80000"/>
-            </a:pPr>
-            <a:r>
-              <a:rPr lang="en-US" altLang="zh-TW" b="1" dirty="0" smtClean="0"/>
-              <a:t>Duplex</a:t>
-            </a:r>
-            <a:r>
-              <a:rPr lang="en-US" altLang="zh-TW" dirty="0" smtClean="0"/>
-              <a:t> − Stream which can be used for both read and write </a:t>
-            </a:r>
-            <a:r>
-              <a:rPr lang="en-US" altLang="zh-TW" dirty="0" smtClean="0"/>
-              <a:t>operation.</a:t>
-            </a:r>
-          </a:p>
-          <a:p>
-            <a:pPr marL="723900" indent="-368300">
-              <a:buSzPct val="80000"/>
-            </a:pPr>
-            <a:r>
-              <a:rPr lang="en-US" altLang="zh-TW" b="1" dirty="0" smtClean="0"/>
-              <a:t>Transform</a:t>
-            </a:r>
-            <a:r>
-              <a:rPr lang="en-US" altLang="zh-TW" dirty="0" smtClean="0"/>
-              <a:t> − A type of duplex stream where the output is computed based on </a:t>
-            </a:r>
-            <a:r>
-              <a:rPr lang="en-US" altLang="zh-TW" dirty="0" smtClean="0"/>
-              <a:t>input.</a:t>
-            </a:r>
+              <a:rPr lang="en-US" dirty="0"/>
+              <a:t>You will find that input.txt has been compressed and it created a file input.txt.gz in the current directory. Now let's try to decompress the same file using the following code.</a:t>
+            </a:r>
+            <a:endParaRPr lang="en-US" b="1" dirty="0"/>
           </a:p>
         </p:txBody>
       </p:sp>
@@ -3927,14 +3809,14 @@
               </a:spcBef>
             </a:pPr>
             <a:r>
-              <a:rPr lang="en-US" altLang="zh-TW" sz="1600" dirty="0" smtClean="0">
+              <a:rPr lang="en-US" altLang="zh-TW" sz="1600" dirty="0">
                 <a:latin typeface="+mj-lt"/>
                 <a:ea typeface="+mj-ea"/>
                 <a:cs typeface="+mj-cs"/>
               </a:rPr>
               <a:t>https://www.tutorialspoint.com/nodejs/nodejs_streams.htm</a:t>
             </a:r>
-            <a:endParaRPr kumimoji="0" lang="zh-TW" altLang="en-US" sz="1600" b="0" i="0" u="none" strike="noStrike" kern="1200" cap="none" spc="0" normalizeH="0" baseline="0" noProof="0" dirty="0" smtClean="0">
+            <a:endParaRPr kumimoji="0" lang="zh-TW" altLang="en-US" sz="1600" b="0" i="0" u="none" strike="noStrike" kern="1200" cap="none" spc="0" normalizeH="0" baseline="0" noProof="0" dirty="0">
               <a:ln>
                 <a:noFill/>
               </a:ln>
@@ -3969,7 +3851,7 @@
             <a:fld id="{A4F910E6-8D00-4BAF-8C48-9688E0B449D3}" type="datetime1">
               <a:rPr lang="zh-TW" altLang="en-US" smtClean="0"/>
               <a:pPr/>
-              <a:t>2018/10/3</a:t>
+              <a:t>2019/2/28</a:t>
             </a:fld>
             <a:endParaRPr lang="zh-TW" altLang="en-US"/>
           </a:p>
@@ -3993,13 +3875,18 @@
             <a:fld id="{E4D7E63D-91F2-4366-A2C4-1B00C9E2590E}" type="slidenum">
               <a:rPr lang="zh-TW" altLang="en-US" smtClean="0"/>
               <a:pPr/>
-              <a:t>2</a:t>
+              <a:t>10</a:t>
             </a:fld>
             <a:endParaRPr lang="zh-TW" altLang="en-US"/>
           </a:p>
         </p:txBody>
       </p:sp>
     </p:spTree>
+    <p:extLst>
+      <p:ext uri="{BB962C8B-B14F-4D97-AF65-F5344CB8AC3E}">
+        <p14:creationId xmlns:p14="http://schemas.microsoft.com/office/powerpoint/2010/main" val="2978836777"/>
+      </p:ext>
+    </p:extLst>
   </p:cSld>
   <p:clrMapOvr>
     <a:masterClrMapping/>
@@ -4007,7 +3894,7 @@
 </p:sld>
 </file>
 
-<file path=ppt/slides/slide3.xml><?xml version="1.0" encoding="utf-8"?>
+<file path=ppt/slides/slide11.xml><?xml version="1.0" encoding="utf-8"?>
 <p:sld xmlns:a="http://schemas.openxmlformats.org/drawingml/2006/main" xmlns:r="http://schemas.openxmlformats.org/officeDocument/2006/relationships" xmlns:p="http://schemas.openxmlformats.org/presentationml/2006/main">
   <p:cSld>
     <p:spTree>
@@ -4072,7 +3959,7 @@
           <a:p>
             <a:pPr algn="l"/>
             <a:r>
-              <a:rPr lang="en-US" altLang="zh-TW" b="1" dirty="0" smtClean="0">
+              <a:rPr lang="en-US" altLang="zh-TW" b="1" dirty="0">
                 <a:solidFill>
                   <a:srgbClr val="FFFF00"/>
                 </a:solidFill>
@@ -4100,7 +3987,7 @@
         <p:spPr>
           <a:xfrm>
             <a:off x="467544" y="1268760"/>
-            <a:ext cx="8424936" cy="5112568"/>
+            <a:ext cx="8424936" cy="360040"/>
           </a:xfrm>
           <a:ln>
             <a:solidFill>
@@ -4114,129 +4001,14 @@
           </a:bodyPr>
           <a:lstStyle/>
           <a:p>
-            <a:pPr marL="342900" indent="-342900" algn="l">
-              <a:buClr>
-                <a:srgbClr val="0070C0"/>
-              </a:buClr>
-              <a:buSzPct val="80000"/>
-              <a:buFont typeface="Wingdings" pitchFamily="2" charset="2"/>
-              <a:buChar char="u"/>
-            </a:pPr>
-            <a:r>
-              <a:rPr lang="en-US" altLang="zh-TW" dirty="0" smtClean="0"/>
-              <a:t>Each </a:t>
-            </a:r>
-            <a:r>
-              <a:rPr lang="en-US" altLang="zh-TW" dirty="0" smtClean="0"/>
-              <a:t>type of Stream is an </a:t>
-            </a:r>
-            <a:r>
-              <a:rPr lang="en-US" altLang="zh-TW" b="1" dirty="0" smtClean="0"/>
-              <a:t>EventEmitter</a:t>
-            </a:r>
-            <a:r>
-              <a:rPr lang="en-US" altLang="zh-TW" dirty="0" smtClean="0"/>
-              <a:t> instance and throws several events at different instance of times. </a:t>
-            </a:r>
-            <a:endParaRPr lang="en-US" altLang="zh-TW" dirty="0" smtClean="0"/>
-          </a:p>
-          <a:p>
-            <a:pPr marL="342900" indent="-342900" algn="l">
-              <a:buClr>
-                <a:srgbClr val="0070C0"/>
-              </a:buClr>
-              <a:buSzPct val="80000"/>
-              <a:buFont typeface="Wingdings" pitchFamily="2" charset="2"/>
-              <a:buChar char="u"/>
-            </a:pPr>
-            <a:r>
-              <a:rPr lang="en-US" altLang="zh-TW" dirty="0" smtClean="0"/>
-              <a:t>For </a:t>
-            </a:r>
-            <a:r>
-              <a:rPr lang="en-US" altLang="zh-TW" dirty="0" smtClean="0"/>
-              <a:t>example, some of the commonly used events are </a:t>
-            </a:r>
-            <a:r>
-              <a:rPr lang="en-US" altLang="zh-TW" dirty="0" smtClean="0"/>
-              <a:t>−</a:t>
-            </a:r>
-          </a:p>
-          <a:p>
-            <a:pPr marL="723900" indent="-368300">
+            <a:pPr marL="342900" indent="-342900">
               <a:buSzPct val="80000"/>
             </a:pPr>
             <a:r>
-              <a:rPr lang="en-US" altLang="zh-TW" b="1" dirty="0" smtClean="0"/>
-              <a:t>data</a:t>
-            </a:r>
-            <a:r>
-              <a:rPr lang="en-US" altLang="zh-TW" dirty="0" smtClean="0"/>
-              <a:t> − This event is fired when there is data is available to </a:t>
-            </a:r>
-            <a:r>
-              <a:rPr lang="en-US" altLang="zh-TW" dirty="0" smtClean="0"/>
-              <a:t>read.</a:t>
-            </a:r>
-          </a:p>
-          <a:p>
-            <a:pPr marL="723900" indent="-368300">
-              <a:buSzPct val="80000"/>
-            </a:pPr>
-            <a:r>
-              <a:rPr lang="en-US" altLang="zh-TW" b="1" dirty="0" smtClean="0"/>
-              <a:t>end</a:t>
-            </a:r>
-            <a:r>
-              <a:rPr lang="en-US" altLang="zh-TW" dirty="0" smtClean="0"/>
-              <a:t> − This event is fired when there is no more data to </a:t>
-            </a:r>
-            <a:r>
-              <a:rPr lang="en-US" altLang="zh-TW" dirty="0" smtClean="0"/>
-              <a:t>read.</a:t>
-            </a:r>
-          </a:p>
-          <a:p>
-            <a:pPr marL="723900" indent="-368300">
-              <a:buSzPct val="80000"/>
-            </a:pPr>
-            <a:r>
-              <a:rPr lang="en-US" altLang="zh-TW" b="1" dirty="0" smtClean="0"/>
-              <a:t>error</a:t>
-            </a:r>
-            <a:r>
-              <a:rPr lang="en-US" altLang="zh-TW" dirty="0" smtClean="0"/>
-              <a:t> − This event is fired when there is any error receiving or writing </a:t>
-            </a:r>
-            <a:r>
-              <a:rPr lang="en-US" altLang="zh-TW" dirty="0" smtClean="0"/>
-              <a:t>data.</a:t>
-            </a:r>
-          </a:p>
-          <a:p>
-            <a:pPr marL="723900" indent="-368300">
-              <a:buSzPct val="80000"/>
-            </a:pPr>
-            <a:r>
-              <a:rPr lang="en-US" altLang="zh-TW" b="1" dirty="0" smtClean="0"/>
-              <a:t>finish</a:t>
-            </a:r>
-            <a:r>
-              <a:rPr lang="en-US" altLang="zh-TW" dirty="0" smtClean="0"/>
-              <a:t> − This event is fired when all the data has been flushed to underlying system.</a:t>
-            </a:r>
-          </a:p>
-          <a:p>
-            <a:pPr marL="355600" indent="-355600"/>
-            <a:r>
-              <a:rPr lang="en-US" altLang="zh-TW" dirty="0" smtClean="0"/>
-              <a:t>This document provides </a:t>
-            </a:r>
-            <a:r>
-              <a:rPr lang="en-US" altLang="zh-TW" dirty="0" smtClean="0"/>
-              <a:t>a basic understanding of the commonly used operations on Streams.</a:t>
-            </a:r>
-            <a:endParaRPr lang="en-US" altLang="zh-TW" dirty="0"/>
+              <a:rPr lang="en-US" b="1" dirty="0"/>
+              <a:t>Example: Decompressed Zip File</a:t>
+            </a:r>
+            <a:endParaRPr lang="en-US" dirty="0"/>
           </a:p>
         </p:txBody>
       </p:sp>
@@ -4295,14 +4067,14 @@
               </a:spcBef>
             </a:pPr>
             <a:r>
-              <a:rPr lang="en-US" altLang="zh-TW" sz="1600" dirty="0" smtClean="0">
+              <a:rPr lang="en-US" altLang="zh-TW" sz="1600" dirty="0">
                 <a:latin typeface="+mj-lt"/>
                 <a:ea typeface="+mj-ea"/>
                 <a:cs typeface="+mj-cs"/>
               </a:rPr>
               <a:t>https://www.tutorialspoint.com/nodejs/nodejs_streams.htm</a:t>
             </a:r>
-            <a:endParaRPr kumimoji="0" lang="zh-TW" altLang="en-US" sz="1600" b="0" i="0" u="none" strike="noStrike" kern="1200" cap="none" spc="0" normalizeH="0" baseline="0" noProof="0" dirty="0" smtClean="0">
+            <a:endParaRPr kumimoji="0" lang="zh-TW" altLang="en-US" sz="1600" b="0" i="0" u="none" strike="noStrike" kern="1200" cap="none" spc="0" normalizeH="0" baseline="0" noProof="0" dirty="0">
               <a:ln>
                 <a:noFill/>
               </a:ln>
@@ -4337,7 +4109,7 @@
             <a:fld id="{A4F910E6-8D00-4BAF-8C48-9688E0B449D3}" type="datetime1">
               <a:rPr lang="zh-TW" altLang="en-US" smtClean="0"/>
               <a:pPr/>
-              <a:t>2018/10/3</a:t>
+              <a:t>2019/2/28</a:t>
             </a:fld>
             <a:endParaRPr lang="zh-TW" altLang="en-US"/>
           </a:p>
@@ -4361,13 +4133,168 @@
             <a:fld id="{E4D7E63D-91F2-4366-A2C4-1B00C9E2590E}" type="slidenum">
               <a:rPr lang="zh-TW" altLang="en-US" smtClean="0"/>
               <a:pPr/>
-              <a:t>3</a:t>
+              <a:t>11</a:t>
             </a:fld>
             <a:endParaRPr lang="zh-TW" altLang="en-US"/>
           </a:p>
         </p:txBody>
       </p:sp>
+      <p:pic>
+        <p:nvPicPr>
+          <p:cNvPr id="7" name="Picture 6">
+            <a:extLst>
+              <a:ext uri="{FF2B5EF4-FFF2-40B4-BE49-F238E27FC236}">
+                <a16:creationId xmlns:a16="http://schemas.microsoft.com/office/drawing/2014/main" id="{5594ED64-2F47-4DBC-843C-799C4C424F4F}"/>
+              </a:ext>
+            </a:extLst>
+          </p:cNvPr>
+          <p:cNvPicPr>
+            <a:picLocks noChangeAspect="1"/>
+          </p:cNvPicPr>
+          <p:nvPr/>
+        </p:nvPicPr>
+        <p:blipFill>
+          <a:blip r:embed="rId2"/>
+          <a:stretch>
+            <a:fillRect/>
+          </a:stretch>
+        </p:blipFill>
+        <p:spPr>
+          <a:xfrm>
+            <a:off x="611560" y="1761562"/>
+            <a:ext cx="6048375" cy="3190875"/>
+          </a:xfrm>
+          <a:prstGeom prst="rect">
+            <a:avLst/>
+          </a:prstGeom>
+          <a:ln>
+            <a:solidFill>
+              <a:srgbClr val="C00000"/>
+            </a:solidFill>
+          </a:ln>
+        </p:spPr>
+      </p:pic>
+      <p:pic>
+        <p:nvPicPr>
+          <p:cNvPr id="8" name="Picture 7">
+            <a:extLst>
+              <a:ext uri="{FF2B5EF4-FFF2-40B4-BE49-F238E27FC236}">
+                <a16:creationId xmlns:a16="http://schemas.microsoft.com/office/drawing/2014/main" id="{25A3C79B-A0F7-4D42-B5F1-47083320B9D3}"/>
+              </a:ext>
+            </a:extLst>
+          </p:cNvPr>
+          <p:cNvPicPr>
+            <a:picLocks noChangeAspect="1"/>
+          </p:cNvPicPr>
+          <p:nvPr/>
+        </p:nvPicPr>
+        <p:blipFill>
+          <a:blip r:embed="rId3"/>
+          <a:stretch>
+            <a:fillRect/>
+          </a:stretch>
+        </p:blipFill>
+        <p:spPr>
+          <a:xfrm>
+            <a:off x="3851920" y="5201956"/>
+            <a:ext cx="4276725" cy="904875"/>
+          </a:xfrm>
+          <a:prstGeom prst="rect">
+            <a:avLst/>
+          </a:prstGeom>
+          <a:ln>
+            <a:solidFill>
+              <a:srgbClr val="C00000"/>
+            </a:solidFill>
+          </a:ln>
+        </p:spPr>
+      </p:pic>
+      <p:pic>
+        <p:nvPicPr>
+          <p:cNvPr id="9" name="Picture 8">
+            <a:extLst>
+              <a:ext uri="{FF2B5EF4-FFF2-40B4-BE49-F238E27FC236}">
+                <a16:creationId xmlns:a16="http://schemas.microsoft.com/office/drawing/2014/main" id="{072C6D90-F6D6-475D-8009-73FAEEE0799C}"/>
+              </a:ext>
+            </a:extLst>
+          </p:cNvPr>
+          <p:cNvPicPr>
+            <a:picLocks noChangeAspect="1"/>
+          </p:cNvPicPr>
+          <p:nvPr/>
+        </p:nvPicPr>
+        <p:blipFill>
+          <a:blip r:embed="rId4"/>
+          <a:stretch>
+            <a:fillRect/>
+          </a:stretch>
+        </p:blipFill>
+        <p:spPr>
+          <a:xfrm>
+            <a:off x="3660508" y="2055763"/>
+            <a:ext cx="5223408" cy="576064"/>
+          </a:xfrm>
+          <a:prstGeom prst="rect">
+            <a:avLst/>
+          </a:prstGeom>
+          <a:ln>
+            <a:solidFill>
+              <a:srgbClr val="C00000"/>
+            </a:solidFill>
+          </a:ln>
+        </p:spPr>
+      </p:pic>
+      <p:cxnSp>
+        <p:nvCxnSpPr>
+          <p:cNvPr id="12" name="Straight Arrow Connector 11">
+            <a:extLst>
+              <a:ext uri="{FF2B5EF4-FFF2-40B4-BE49-F238E27FC236}">
+                <a16:creationId xmlns:a16="http://schemas.microsoft.com/office/drawing/2014/main" id="{224A6C9A-790A-42AA-B20E-A438C4AE4014}"/>
+              </a:ext>
+            </a:extLst>
+          </p:cNvPr>
+          <p:cNvCxnSpPr>
+            <a:stCxn id="9" idx="2"/>
+            <a:endCxn id="8" idx="0"/>
+          </p:cNvCxnSpPr>
+          <p:nvPr/>
+        </p:nvCxnSpPr>
+        <p:spPr>
+          <a:xfrm flipH="1">
+            <a:off x="5990283" y="2631827"/>
+            <a:ext cx="281929" cy="2570129"/>
+          </a:xfrm>
+          <a:prstGeom prst="straightConnector1">
+            <a:avLst/>
+          </a:prstGeom>
+          <a:ln>
+            <a:solidFill>
+              <a:srgbClr val="C00000"/>
+            </a:solidFill>
+            <a:tailEnd type="triangle"/>
+          </a:ln>
+        </p:spPr>
+        <p:style>
+          <a:lnRef idx="1">
+            <a:schemeClr val="accent1"/>
+          </a:lnRef>
+          <a:fillRef idx="0">
+            <a:schemeClr val="accent1"/>
+          </a:fillRef>
+          <a:effectRef idx="0">
+            <a:schemeClr val="accent1"/>
+          </a:effectRef>
+          <a:fontRef idx="minor">
+            <a:schemeClr val="tx1"/>
+          </a:fontRef>
+        </p:style>
+      </p:cxnSp>
     </p:spTree>
+    <p:extLst>
+      <p:ext uri="{BB962C8B-B14F-4D97-AF65-F5344CB8AC3E}">
+        <p14:creationId xmlns:p14="http://schemas.microsoft.com/office/powerpoint/2010/main" val="1484647766"/>
+      </p:ext>
+    </p:extLst>
   </p:cSld>
   <p:clrMapOvr>
     <a:masterClrMapping/>
@@ -4375,7 +4302,7 @@
 </p:sld>
 </file>
 
-<file path=ppt/slides/slide4.xml><?xml version="1.0" encoding="utf-8"?>
+<file path=ppt/slides/slide12.xml><?xml version="1.0" encoding="utf-8"?>
 <p:sld xmlns:a="http://schemas.openxmlformats.org/drawingml/2006/main" xmlns:r="http://schemas.openxmlformats.org/officeDocument/2006/relationships" xmlns:p="http://schemas.openxmlformats.org/presentationml/2006/main">
   <p:cSld>
     <p:spTree>
@@ -4410,11 +4337,6 @@
           <a:solidFill>
             <a:srgbClr val="00B0F0"/>
           </a:solidFill>
-          <a:ln>
-            <a:solidFill>
-              <a:srgbClr val="00B0F0"/>
-            </a:solidFill>
-          </a:ln>
         </p:spPr>
         <p:txBody>
           <a:bodyPr>
@@ -4423,14 +4345,14 @@
           <a:lstStyle/>
           <a:p>
             <a:r>
-              <a:rPr lang="en-US" altLang="zh-TW" sz="4800" b="1" dirty="0" smtClean="0">
+              <a:rPr lang="en-US" altLang="zh-TW" sz="6000" b="1" dirty="0">
                 <a:solidFill>
                   <a:srgbClr val="FFFF00"/>
                 </a:solidFill>
               </a:rPr>
-              <a:t>11.2 Reading from a Stream</a:t>
-            </a:r>
-            <a:endParaRPr lang="zh-TW" altLang="en-US" sz="4800" b="1" dirty="0">
+              <a:t>End of Chapter</a:t>
+            </a:r>
+            <a:endParaRPr lang="zh-TW" altLang="en-US" sz="6000" b="1" dirty="0">
               <a:solidFill>
                 <a:srgbClr val="FFFF00"/>
               </a:solidFill>
@@ -4453,10 +4375,10 @@
           <a:bodyPr/>
           <a:lstStyle/>
           <a:p>
-            <a:fld id="{C389EDC9-19E3-47AC-9C57-C6A24DEA81AD}" type="datetime1">
+            <a:fld id="{4E46BE27-E923-4EC2-B046-3272AE2A3E5C}" type="datetime1">
               <a:rPr lang="zh-TW" altLang="en-US" smtClean="0"/>
               <a:pPr/>
-              <a:t>2018/10/3</a:t>
+              <a:t>2019/2/28</a:t>
             </a:fld>
             <a:endParaRPr lang="zh-TW" altLang="en-US"/>
           </a:p>
@@ -4480,44 +4402,12 @@
             <a:fld id="{E4D7E63D-91F2-4366-A2C4-1B00C9E2590E}" type="slidenum">
               <a:rPr lang="zh-TW" altLang="en-US" smtClean="0"/>
               <a:pPr/>
-              <a:t>4</a:t>
+              <a:t>12</a:t>
             </a:fld>
             <a:endParaRPr lang="zh-TW" altLang="en-US"/>
           </a:p>
         </p:txBody>
       </p:sp>
-      <p:pic>
-        <p:nvPicPr>
-          <p:cNvPr id="1026" name="Picture 2"/>
-          <p:cNvPicPr>
-            <a:picLocks noChangeAspect="1" noChangeArrowheads="1"/>
-          </p:cNvPicPr>
-          <p:nvPr/>
-        </p:nvPicPr>
-        <p:blipFill>
-          <a:blip r:embed="rId2" cstate="print"/>
-          <a:srcRect/>
-          <a:stretch>
-            <a:fillRect/>
-          </a:stretch>
-        </p:blipFill>
-        <p:spPr bwMode="auto">
-          <a:xfrm>
-            <a:off x="3491880" y="3645024"/>
-            <a:ext cx="1895475" cy="676275"/>
-          </a:xfrm>
-          <a:prstGeom prst="rect">
-            <a:avLst/>
-          </a:prstGeom>
-          <a:noFill/>
-          <a:ln w="9525">
-            <a:noFill/>
-            <a:miter lim="800000"/>
-            <a:headEnd/>
-            <a:tailEnd/>
-          </a:ln>
-        </p:spPr>
-      </p:pic>
     </p:spTree>
   </p:cSld>
   <p:clrMapOvr>
@@ -4526,7 +4416,7 @@
 </p:sld>
 </file>
 
-<file path=ppt/slides/slide5.xml><?xml version="1.0" encoding="utf-8"?>
+<file path=ppt/slides/slide2.xml><?xml version="1.0" encoding="utf-8"?>
 <p:sld xmlns:a="http://schemas.openxmlformats.org/drawingml/2006/main" xmlns:r="http://schemas.openxmlformats.org/officeDocument/2006/relationships" xmlns:p="http://schemas.openxmlformats.org/presentationml/2006/main">
   <p:cSld>
     <p:spTree>
@@ -4591,12 +4481,12 @@
           <a:p>
             <a:pPr algn="l"/>
             <a:r>
-              <a:rPr lang="en-US" altLang="zh-TW" b="1" dirty="0" smtClean="0">
+              <a:rPr lang="en-US" altLang="zh-TW" b="1" dirty="0">
                 <a:solidFill>
                   <a:srgbClr val="FFFF00"/>
                 </a:solidFill>
               </a:rPr>
-              <a:t>11.2 Reading from a Stream</a:t>
+              <a:t>11 Stream</a:t>
             </a:r>
             <a:endParaRPr lang="zh-TW" altLang="en-US" b="1" dirty="0">
               <a:solidFill>
@@ -4619,7 +4509,7 @@
         <p:spPr>
           <a:xfrm>
             <a:off x="467544" y="1268760"/>
-            <a:ext cx="8424936" cy="360040"/>
+            <a:ext cx="8424936" cy="3024336"/>
           </a:xfrm>
           <a:ln>
             <a:solidFill>
@@ -4633,26 +4523,96 @@
           </a:bodyPr>
           <a:lstStyle/>
           <a:p>
+            <a:pPr marL="342900" indent="-342900" algn="l">
+              <a:buClr>
+                <a:srgbClr val="0070C0"/>
+              </a:buClr>
+              <a:buSzPct val="80000"/>
+              <a:buFont typeface="Wingdings" pitchFamily="2" charset="2"/>
+              <a:buChar char="u"/>
+            </a:pPr>
+            <a:r>
+              <a:rPr lang="en-US" altLang="zh-TW" b="1" dirty="0"/>
+              <a:t>What are Streams?</a:t>
+            </a:r>
+          </a:p>
+          <a:p>
             <a:pPr marL="342900" indent="-342900">
               <a:buSzPct val="80000"/>
             </a:pPr>
             <a:r>
-              <a:rPr lang="en-US" altLang="zh-TW" dirty="0" smtClean="0"/>
-              <a:t>Create </a:t>
-            </a:r>
-            <a:r>
-              <a:rPr lang="en-US" altLang="zh-TW" dirty="0" smtClean="0"/>
-              <a:t>a text file named input.txt having the following content</a:t>
-            </a:r>
-            <a:r>
-              <a:rPr lang="en-US" altLang="zh-TW" dirty="0" smtClean="0"/>
-              <a:t>.</a:t>
-            </a:r>
-            <a:endParaRPr lang="en-US" altLang="zh-TW" dirty="0">
-              <a:solidFill>
-                <a:schemeClr val="tx1"/>
-              </a:solidFill>
-            </a:endParaRPr>
+              <a:rPr lang="en-US" altLang="zh-TW" dirty="0">
+                <a:solidFill>
+                  <a:schemeClr val="tx1"/>
+                </a:solidFill>
+              </a:rPr>
+              <a:t>Streams are objects that let you read data from a source or write data to a destination in continuous fashion. </a:t>
+            </a:r>
+          </a:p>
+          <a:p>
+            <a:pPr marL="342900" indent="-342900">
+              <a:buSzPct val="80000"/>
+            </a:pPr>
+            <a:r>
+              <a:rPr lang="en-US" altLang="zh-TW" dirty="0">
+                <a:solidFill>
+                  <a:schemeClr val="tx1"/>
+                </a:solidFill>
+              </a:rPr>
+              <a:t>In Node.js, there are four types of streams −</a:t>
+            </a:r>
+          </a:p>
+          <a:p>
+            <a:pPr marL="723900" indent="-368300">
+              <a:buSzPct val="80000"/>
+            </a:pPr>
+            <a:r>
+              <a:rPr lang="en-US" altLang="zh-TW" b="1" dirty="0"/>
+              <a:t>Readable</a:t>
+            </a:r>
+            <a:r>
+              <a:rPr lang="en-US" altLang="zh-TW" dirty="0"/>
+              <a:t> − Stream which is used for read operation.</a:t>
+            </a:r>
+          </a:p>
+          <a:p>
+            <a:pPr marL="723900" indent="-368300">
+              <a:buSzPct val="80000"/>
+            </a:pPr>
+            <a:r>
+              <a:rPr lang="en-US" altLang="zh-TW" b="1" dirty="0"/>
+              <a:t>Writable</a:t>
+            </a:r>
+            <a:r>
+              <a:rPr lang="en-US" altLang="zh-TW" dirty="0"/>
+              <a:t> − Stream which is used for write operation.</a:t>
+            </a:r>
+          </a:p>
+          <a:p>
+            <a:pPr marL="723900" indent="-368300">
+              <a:buSzPct val="80000"/>
+            </a:pPr>
+            <a:r>
+              <a:rPr lang="en-US" altLang="zh-TW" b="1" dirty="0"/>
+              <a:t>Duplex</a:t>
+            </a:r>
+            <a:r>
+              <a:rPr lang="en-US" altLang="zh-TW" dirty="0"/>
+              <a:t> − Stream which can be used for both read and write operation.</a:t>
+            </a:r>
+          </a:p>
+          <a:p>
+            <a:pPr marL="723900" indent="-368300">
+              <a:buSzPct val="80000"/>
+            </a:pPr>
+            <a:r>
+              <a:rPr lang="en-US" altLang="zh-TW" b="1" dirty="0"/>
+              <a:t>Transform</a:t>
+            </a:r>
+            <a:r>
+              <a:rPr lang="en-US" altLang="zh-TW" dirty="0"/>
+              <a:t> − A type of duplex stream where the output is computed based on input.</a:t>
+            </a:r>
           </a:p>
         </p:txBody>
       </p:sp>
@@ -4711,14 +4671,14 @@
               </a:spcBef>
             </a:pPr>
             <a:r>
-              <a:rPr lang="en-US" altLang="zh-TW" sz="1600" dirty="0" smtClean="0">
+              <a:rPr lang="en-US" altLang="zh-TW" sz="1600" dirty="0">
                 <a:latin typeface="+mj-lt"/>
                 <a:ea typeface="+mj-ea"/>
                 <a:cs typeface="+mj-cs"/>
               </a:rPr>
               <a:t>https://www.tutorialspoint.com/nodejs/nodejs_streams.htm</a:t>
             </a:r>
-            <a:endParaRPr kumimoji="0" lang="zh-TW" altLang="en-US" sz="1600" b="0" i="0" u="none" strike="noStrike" kern="1200" cap="none" spc="0" normalizeH="0" baseline="0" noProof="0" dirty="0" smtClean="0">
+            <a:endParaRPr kumimoji="0" lang="zh-TW" altLang="en-US" sz="1600" b="0" i="0" u="none" strike="noStrike" kern="1200" cap="none" spc="0" normalizeH="0" baseline="0" noProof="0" dirty="0">
               <a:ln>
                 <a:noFill/>
               </a:ln>
@@ -4753,7 +4713,7 @@
             <a:fld id="{A4F910E6-8D00-4BAF-8C48-9688E0B449D3}" type="datetime1">
               <a:rPr lang="zh-TW" altLang="en-US" smtClean="0"/>
               <a:pPr/>
-              <a:t>2018/10/3</a:t>
+              <a:t>2019/2/28</a:t>
             </a:fld>
             <a:endParaRPr lang="zh-TW" altLang="en-US"/>
           </a:p>
@@ -4777,175 +4737,9 @@
             <a:fld id="{E4D7E63D-91F2-4366-A2C4-1B00C9E2590E}" type="slidenum">
               <a:rPr lang="zh-TW" altLang="en-US" smtClean="0"/>
               <a:pPr/>
-              <a:t>5</a:t>
+              <a:t>2</a:t>
             </a:fld>
             <a:endParaRPr lang="zh-TW" altLang="en-US"/>
-          </a:p>
-        </p:txBody>
-      </p:sp>
-      <p:sp>
-        <p:nvSpPr>
-          <p:cNvPr id="7" name="副標題 2"/>
-          <p:cNvSpPr txBox="1">
-            <a:spLocks/>
-          </p:cNvSpPr>
-          <p:nvPr/>
-        </p:nvSpPr>
-        <p:spPr>
-          <a:xfrm>
-            <a:off x="1115616" y="1772816"/>
-            <a:ext cx="6336704" cy="576064"/>
-          </a:xfrm>
-          <a:prstGeom prst="rect">
-            <a:avLst/>
-          </a:prstGeom>
-          <a:ln>
-            <a:solidFill>
-              <a:srgbClr val="C00000"/>
-            </a:solidFill>
-          </a:ln>
-        </p:spPr>
-        <p:txBody>
-          <a:bodyPr vert="horz" lIns="91440" tIns="45720" rIns="91440" bIns="45720" rtlCol="0">
-            <a:noAutofit/>
-          </a:bodyPr>
-          <a:lstStyle/>
-          <a:p>
-            <a:pPr lvl="0">
-              <a:spcBef>
-                <a:spcPct val="20000"/>
-              </a:spcBef>
-              <a:buClr>
-                <a:srgbClr val="0070C0"/>
-              </a:buClr>
-              <a:buSzPct val="80000"/>
-            </a:pPr>
-            <a:r>
-              <a:rPr lang="en-US" altLang="zh-TW" sz="1200" dirty="0" smtClean="0"/>
-              <a:t>Tutorials Point is giving self learning content </a:t>
-            </a:r>
-            <a:endParaRPr lang="en-US" altLang="zh-TW" sz="1200" dirty="0" smtClean="0"/>
-          </a:p>
-          <a:p>
-            <a:pPr lvl="0">
-              <a:spcBef>
-                <a:spcPct val="20000"/>
-              </a:spcBef>
-              <a:buClr>
-                <a:srgbClr val="0070C0"/>
-              </a:buClr>
-              <a:buSzPct val="80000"/>
-            </a:pPr>
-            <a:r>
-              <a:rPr lang="en-US" altLang="zh-TW" sz="1200" dirty="0" smtClean="0"/>
-              <a:t>to </a:t>
-            </a:r>
-            <a:r>
-              <a:rPr lang="en-US" altLang="zh-TW" sz="1200" dirty="0" smtClean="0"/>
-              <a:t>teach the world in simple and easy way!!!!!</a:t>
-            </a:r>
-            <a:endParaRPr kumimoji="0" lang="en-US" altLang="zh-TW" sz="1200" b="0" i="0" u="none" strike="noStrike" kern="1200" cap="none" spc="0" normalizeH="0" baseline="0" noProof="0" dirty="0">
-              <a:ln>
-                <a:noFill/>
-              </a:ln>
-              <a:solidFill>
-                <a:schemeClr val="tx1"/>
-              </a:solidFill>
-              <a:effectLst/>
-              <a:uLnTx/>
-              <a:uFillTx/>
-              <a:latin typeface="+mj-lt"/>
-              <a:ea typeface="+mn-ea"/>
-              <a:cs typeface="+mn-cs"/>
-            </a:endParaRPr>
-          </a:p>
-        </p:txBody>
-      </p:sp>
-      <p:sp>
-        <p:nvSpPr>
-          <p:cNvPr id="8" name="副標題 2"/>
-          <p:cNvSpPr txBox="1">
-            <a:spLocks/>
-          </p:cNvSpPr>
-          <p:nvPr/>
-        </p:nvSpPr>
-        <p:spPr>
-          <a:xfrm>
-            <a:off x="467544" y="2420888"/>
-            <a:ext cx="8424936" cy="360040"/>
-          </a:xfrm>
-          <a:prstGeom prst="rect">
-            <a:avLst/>
-          </a:prstGeom>
-          <a:ln>
-            <a:solidFill>
-              <a:srgbClr val="C00000"/>
-            </a:solidFill>
-          </a:ln>
-        </p:spPr>
-        <p:txBody>
-          <a:bodyPr vert="horz" lIns="91440" tIns="45720" rIns="91440" bIns="45720" rtlCol="0">
-            <a:noAutofit/>
-          </a:bodyPr>
-          <a:lstStyle/>
-          <a:p>
-            <a:pPr marL="342900" marR="0" lvl="0" indent="-342900" algn="l" defTabSz="914400" rtl="0" eaLnBrk="1" fontAlgn="auto" latinLnBrk="0" hangingPunct="1">
-              <a:lnSpc>
-                <a:spcPct val="100000"/>
-              </a:lnSpc>
-              <a:spcBef>
-                <a:spcPct val="20000"/>
-              </a:spcBef>
-              <a:spcAft>
-                <a:spcPts val="0"/>
-              </a:spcAft>
-              <a:buClr>
-                <a:srgbClr val="0070C0"/>
-              </a:buClr>
-              <a:buSzPct val="80000"/>
-              <a:buFont typeface="Wingdings" pitchFamily="2" charset="2"/>
-              <a:buChar char="u"/>
-              <a:tabLst/>
-              <a:defRPr/>
-            </a:pPr>
-            <a:r>
-              <a:rPr lang="en-US" altLang="zh-TW" dirty="0" smtClean="0"/>
-              <a:t>Create </a:t>
-            </a:r>
-            <a:r>
-              <a:rPr lang="en-US" altLang="zh-TW" dirty="0" smtClean="0"/>
-              <a:t>a </a:t>
-            </a:r>
-            <a:r>
-              <a:rPr lang="en-US" altLang="zh-TW" dirty="0" err="1" smtClean="0"/>
-              <a:t>js</a:t>
-            </a:r>
-            <a:r>
-              <a:rPr lang="en-US" altLang="zh-TW" dirty="0" smtClean="0"/>
-              <a:t> file named main.js with the </a:t>
-            </a:r>
-            <a:r>
-              <a:rPr lang="en-US" altLang="zh-TW" smtClean="0"/>
-              <a:t>following </a:t>
-            </a:r>
-            <a:r>
-              <a:rPr lang="en-US" altLang="zh-TW" smtClean="0"/>
-              <a:t>code:</a:t>
-            </a:r>
-            <a:endParaRPr kumimoji="0" lang="en-US" altLang="zh-TW" sz="1800" b="0" i="0" u="none" strike="noStrike" kern="1200" cap="none" spc="0" normalizeH="0" baseline="0" noProof="0" dirty="0">
-              <a:ln>
-                <a:noFill/>
-              </a:ln>
-              <a:solidFill>
-                <a:schemeClr val="tx1"/>
-              </a:solidFill>
-              <a:effectLst/>
-              <a:uLnTx/>
-              <a:uFillTx/>
-              <a:latin typeface="+mj-lt"/>
-              <a:ea typeface="+mn-ea"/>
-              <a:cs typeface="+mn-cs"/>
-            </a:endParaRPr>
           </a:p>
         </p:txBody>
       </p:sp>
@@ -4957,7 +4751,7 @@
 </p:sld>
 </file>
 
-<file path=ppt/slides/slide6.xml><?xml version="1.0" encoding="utf-8"?>
+<file path=ppt/slides/slide3.xml><?xml version="1.0" encoding="utf-8"?>
 <p:sld xmlns:a="http://schemas.openxmlformats.org/drawingml/2006/main" xmlns:r="http://schemas.openxmlformats.org/officeDocument/2006/relationships" xmlns:p="http://schemas.openxmlformats.org/presentationml/2006/main">
   <p:cSld>
     <p:spTree>
@@ -5022,12 +4816,12 @@
           <a:p>
             <a:pPr algn="l"/>
             <a:r>
-              <a:rPr lang="en-US" altLang="zh-TW" b="1" dirty="0" smtClean="0">
+              <a:rPr lang="en-US" altLang="zh-TW" b="1" dirty="0">
                 <a:solidFill>
                   <a:srgbClr val="FFFF00"/>
                 </a:solidFill>
               </a:rPr>
-              <a:t>6.2 Global vs. Local Installation</a:t>
+              <a:t>11 Stream</a:t>
             </a:r>
             <a:endParaRPr lang="zh-TW" altLang="en-US" b="1" dirty="0">
               <a:solidFill>
@@ -5049,8 +4843,8 @@
         </p:nvSpPr>
         <p:spPr>
           <a:xfrm>
-            <a:off x="323528" y="1340768"/>
-            <a:ext cx="3888432" cy="936104"/>
+            <a:off x="467544" y="1268760"/>
+            <a:ext cx="8424936" cy="3240360"/>
           </a:xfrm>
           <a:ln>
             <a:solidFill>
@@ -5064,26 +4858,98 @@
           </a:bodyPr>
           <a:lstStyle/>
           <a:p>
+            <a:pPr marL="342900" indent="-342900" algn="l">
+              <a:buClr>
+                <a:srgbClr val="0070C0"/>
+              </a:buClr>
+              <a:buSzPct val="80000"/>
+              <a:buFont typeface="Wingdings" pitchFamily="2" charset="2"/>
+              <a:buChar char="u"/>
+            </a:pPr>
+            <a:r>
+              <a:rPr lang="en-US" altLang="zh-TW" dirty="0"/>
+              <a:t>Each type of Stream is an </a:t>
+            </a:r>
+            <a:r>
+              <a:rPr lang="en-US" altLang="zh-TW" b="1" dirty="0"/>
+              <a:t>EventEmitter</a:t>
+            </a:r>
+            <a:r>
+              <a:rPr lang="en-US" altLang="zh-TW" dirty="0"/>
+              <a:t> instance and throws several events at different instance of times. </a:t>
+            </a:r>
+          </a:p>
+          <a:p>
+            <a:pPr marL="342900" indent="-342900" algn="l">
+              <a:buClr>
+                <a:srgbClr val="0070C0"/>
+              </a:buClr>
+              <a:buSzPct val="80000"/>
+              <a:buFont typeface="Wingdings" pitchFamily="2" charset="2"/>
+              <a:buChar char="u"/>
+            </a:pPr>
+            <a:r>
+              <a:rPr lang="en-US" altLang="zh-TW" dirty="0"/>
+              <a:t>For example, some of the commonly used events are −</a:t>
+            </a:r>
+          </a:p>
+          <a:p>
+            <a:pPr marL="723900" indent="-368300">
+              <a:buSzPct val="80000"/>
+            </a:pPr>
+            <a:r>
+              <a:rPr lang="en-US" altLang="zh-TW" b="1" dirty="0"/>
+              <a:t>data</a:t>
+            </a:r>
+            <a:r>
+              <a:rPr lang="en-US" altLang="zh-TW" dirty="0"/>
+              <a:t> − This event is fired when there is data is available to read.</a:t>
+            </a:r>
+          </a:p>
+          <a:p>
+            <a:pPr marL="723900" indent="-368300">
+              <a:buSzPct val="80000"/>
+            </a:pPr>
+            <a:r>
+              <a:rPr lang="en-US" altLang="zh-TW" b="1" dirty="0"/>
+              <a:t>end</a:t>
+            </a:r>
+            <a:r>
+              <a:rPr lang="en-US" altLang="zh-TW" dirty="0"/>
+              <a:t> − This event is fired when there is no more data to read.</a:t>
+            </a:r>
+          </a:p>
+          <a:p>
+            <a:pPr marL="723900" indent="-368300">
+              <a:buSzPct val="80000"/>
+            </a:pPr>
+            <a:r>
+              <a:rPr lang="en-US" altLang="zh-TW" b="1" dirty="0"/>
+              <a:t>error</a:t>
+            </a:r>
+            <a:r>
+              <a:rPr lang="en-US" altLang="zh-TW" dirty="0"/>
+              <a:t> − This event is fired when there is any error receiving or writing data.</a:t>
+            </a:r>
+          </a:p>
+          <a:p>
+            <a:pPr marL="723900" indent="-368300">
+              <a:buSzPct val="80000"/>
+            </a:pPr>
+            <a:r>
+              <a:rPr lang="en-US" altLang="zh-TW" b="1" dirty="0"/>
+              <a:t>finish</a:t>
+            </a:r>
+            <a:r>
+              <a:rPr lang="en-US" altLang="zh-TW" dirty="0"/>
+              <a:t> − This event is fired when all the data has been flushed to underlying system.</a:t>
+            </a:r>
+          </a:p>
+          <a:p>
             <a:pPr marL="355600" indent="-355600"/>
             <a:r>
-              <a:rPr lang="en-US" altLang="zh-TW" dirty="0" smtClean="0"/>
-              <a:t>Alternatively, you can use </a:t>
-            </a:r>
-            <a:r>
-              <a:rPr lang="en-US" altLang="zh-TW" b="1" dirty="0" err="1" smtClean="0"/>
-              <a:t>npm</a:t>
-            </a:r>
-            <a:r>
-              <a:rPr lang="en-US" altLang="zh-TW" b="1" dirty="0" smtClean="0"/>
-              <a:t> </a:t>
-            </a:r>
-            <a:r>
-              <a:rPr lang="en-US" altLang="zh-TW" b="1" dirty="0" err="1" smtClean="0"/>
-              <a:t>ls</a:t>
-            </a:r>
-            <a:r>
-              <a:rPr lang="en-US" altLang="zh-TW" dirty="0" smtClean="0"/>
-              <a:t> command to list down all the locally installed modules.</a:t>
+              <a:rPr lang="en-US" altLang="zh-TW" dirty="0"/>
+              <a:t>This document provides a basic understanding of the commonly used operations on Streams.</a:t>
             </a:r>
           </a:p>
         </p:txBody>
@@ -5143,14 +5009,14 @@
               </a:spcBef>
             </a:pPr>
             <a:r>
-              <a:rPr lang="en-US" altLang="zh-TW" sz="1600" dirty="0" smtClean="0">
+              <a:rPr lang="en-US" altLang="zh-TW" sz="1600" dirty="0">
                 <a:latin typeface="+mj-lt"/>
                 <a:ea typeface="+mj-ea"/>
                 <a:cs typeface="+mj-cs"/>
               </a:rPr>
-              <a:t>https://www.tutorialspoint.com/nodejs/nodejs_npm.htm</a:t>
-            </a:r>
-            <a:endParaRPr kumimoji="0" lang="zh-TW" altLang="en-US" sz="1600" b="0" i="0" u="none" strike="noStrike" kern="1200" cap="none" spc="0" normalizeH="0" baseline="0" noProof="0" dirty="0" smtClean="0">
+              <a:t>https://www.tutorialspoint.com/nodejs/nodejs_streams.htm</a:t>
+            </a:r>
+            <a:endParaRPr kumimoji="0" lang="zh-TW" altLang="en-US" sz="1600" b="0" i="0" u="none" strike="noStrike" kern="1200" cap="none" spc="0" normalizeH="0" baseline="0" noProof="0" dirty="0">
               <a:ln>
                 <a:noFill/>
               </a:ln>
@@ -5185,7 +5051,7 @@
             <a:fld id="{A4F910E6-8D00-4BAF-8C48-9688E0B449D3}" type="datetime1">
               <a:rPr lang="zh-TW" altLang="en-US" smtClean="0"/>
               <a:pPr/>
-              <a:t>2018/10/3</a:t>
+              <a:t>2019/2/28</a:t>
             </a:fld>
             <a:endParaRPr lang="zh-TW" altLang="en-US"/>
           </a:p>
@@ -5209,46 +5075,12 @@
             <a:fld id="{E4D7E63D-91F2-4366-A2C4-1B00C9E2590E}" type="slidenum">
               <a:rPr lang="zh-TW" altLang="en-US" smtClean="0"/>
               <a:pPr/>
-              <a:t>6</a:t>
+              <a:t>3</a:t>
             </a:fld>
             <a:endParaRPr lang="zh-TW" altLang="en-US"/>
           </a:p>
         </p:txBody>
       </p:sp>
-      <p:pic>
-        <p:nvPicPr>
-          <p:cNvPr id="2050" name="Picture 2"/>
-          <p:cNvPicPr>
-            <a:picLocks noChangeAspect="1" noChangeArrowheads="1"/>
-          </p:cNvPicPr>
-          <p:nvPr/>
-        </p:nvPicPr>
-        <p:blipFill>
-          <a:blip r:embed="rId2" cstate="print"/>
-          <a:srcRect/>
-          <a:stretch>
-            <a:fillRect/>
-          </a:stretch>
-        </p:blipFill>
-        <p:spPr bwMode="auto">
-          <a:xfrm>
-            <a:off x="4499992" y="1340768"/>
-            <a:ext cx="4421343" cy="4779293"/>
-          </a:xfrm>
-          <a:prstGeom prst="rect">
-            <a:avLst/>
-          </a:prstGeom>
-          <a:noFill/>
-          <a:ln w="9525">
-            <a:solidFill>
-              <a:srgbClr val="C00000"/>
-            </a:solidFill>
-            <a:miter lim="800000"/>
-            <a:headEnd/>
-            <a:tailEnd/>
-          </a:ln>
-        </p:spPr>
-      </p:pic>
     </p:spTree>
   </p:cSld>
   <p:clrMapOvr>
@@ -5257,7 +5089,7 @@
 </p:sld>
 </file>
 
-<file path=ppt/slides/slide7.xml><?xml version="1.0" encoding="utf-8"?>
+<file path=ppt/slides/slide4.xml><?xml version="1.0" encoding="utf-8"?>
 <p:sld xmlns:a="http://schemas.openxmlformats.org/drawingml/2006/main" xmlns:r="http://schemas.openxmlformats.org/officeDocument/2006/relationships" xmlns:p="http://schemas.openxmlformats.org/presentationml/2006/main">
   <p:cSld>
     <p:spTree>
@@ -5322,12 +5154,12 @@
           <a:p>
             <a:pPr algn="l"/>
             <a:r>
-              <a:rPr lang="en-US" altLang="zh-TW" b="1" dirty="0" smtClean="0">
+              <a:rPr lang="en-US" altLang="zh-TW" b="1" dirty="0">
                 <a:solidFill>
                   <a:srgbClr val="FFFF00"/>
                 </a:solidFill>
               </a:rPr>
-              <a:t>6.2 Global vs. Local Installation</a:t>
+              <a:t>11 Stream</a:t>
             </a:r>
             <a:endParaRPr lang="zh-TW" altLang="en-US" b="1" dirty="0">
               <a:solidFill>
@@ -5349,8 +5181,8 @@
         </p:nvSpPr>
         <p:spPr>
           <a:xfrm>
-            <a:off x="467544" y="1268760"/>
-            <a:ext cx="8352928" cy="1368152"/>
+            <a:off x="467544" y="1268759"/>
+            <a:ext cx="8424936" cy="648073"/>
           </a:xfrm>
           <a:ln>
             <a:solidFill>
@@ -5364,26 +5196,27 @@
           </a:bodyPr>
           <a:lstStyle/>
           <a:p>
-            <a:pPr marL="355600" indent="-355600"/>
-            <a:r>
-              <a:rPr lang="en-US" altLang="zh-TW" dirty="0" smtClean="0"/>
-              <a:t>Globally installed packages/dependencies are stored in system directory. </a:t>
-            </a:r>
-          </a:p>
-          <a:p>
-            <a:pPr marL="355600" indent="-355600"/>
-            <a:r>
-              <a:rPr lang="en-US" altLang="zh-TW" dirty="0" smtClean="0"/>
-              <a:t>Such dependencies can be used in CLI (Command Line Interface) function of any node.js but cannot be imported using require() in Node application directly. </a:t>
-            </a:r>
-          </a:p>
-          <a:p>
-            <a:pPr marL="355600" indent="-355600"/>
-            <a:r>
-              <a:rPr lang="en-US" altLang="zh-TW" dirty="0" smtClean="0"/>
-              <a:t>Now let's try installing the express module using global installation.</a:t>
-            </a:r>
-            <a:endParaRPr lang="en-US" altLang="zh-TW" dirty="0"/>
+            <a:pPr marL="342900" indent="-342900">
+              <a:buSzPct val="80000"/>
+            </a:pPr>
+            <a:r>
+              <a:rPr lang="en-US" b="1" dirty="0"/>
+              <a:t>Reading from a Stream</a:t>
+            </a:r>
+          </a:p>
+          <a:p>
+            <a:pPr marL="342900" indent="-342900">
+              <a:buSzPct val="80000"/>
+            </a:pPr>
+            <a:r>
+              <a:rPr lang="en-US" altLang="zh-TW" dirty="0"/>
+              <a:t>Create a text file named input.txt having the following content.</a:t>
+            </a:r>
+            <a:endParaRPr lang="en-US" altLang="zh-TW" dirty="0">
+              <a:solidFill>
+                <a:schemeClr val="tx1"/>
+              </a:solidFill>
+            </a:endParaRPr>
           </a:p>
         </p:txBody>
       </p:sp>
@@ -5442,14 +5275,14 @@
               </a:spcBef>
             </a:pPr>
             <a:r>
-              <a:rPr lang="en-US" altLang="zh-TW" sz="1600" dirty="0" smtClean="0">
+              <a:rPr lang="en-US" altLang="zh-TW" sz="1600" dirty="0">
                 <a:latin typeface="+mj-lt"/>
                 <a:ea typeface="+mj-ea"/>
                 <a:cs typeface="+mj-cs"/>
               </a:rPr>
-              <a:t>https://www.tutorialspoint.com/nodejs/nodejs_npm.htm</a:t>
-            </a:r>
-            <a:endParaRPr kumimoji="0" lang="zh-TW" altLang="en-US" sz="1600" b="0" i="0" u="none" strike="noStrike" kern="1200" cap="none" spc="0" normalizeH="0" baseline="0" noProof="0" dirty="0" smtClean="0">
+              <a:t>https://www.tutorialspoint.com/nodejs/nodejs_streams.htm</a:t>
+            </a:r>
+            <a:endParaRPr kumimoji="0" lang="zh-TW" altLang="en-US" sz="1600" b="0" i="0" u="none" strike="noStrike" kern="1200" cap="none" spc="0" normalizeH="0" baseline="0" noProof="0" dirty="0">
               <a:ln>
                 <a:noFill/>
               </a:ln>
@@ -5484,7 +5317,7 @@
             <a:fld id="{A4F910E6-8D00-4BAF-8C48-9688E0B449D3}" type="datetime1">
               <a:rPr lang="zh-TW" altLang="en-US" smtClean="0"/>
               <a:pPr/>
-              <a:t>2018/10/3</a:t>
+              <a:t>2019/2/28</a:t>
             </a:fld>
             <a:endParaRPr lang="zh-TW" altLang="en-US"/>
           </a:p>
@@ -5508,24 +5341,36 @@
             <a:fld id="{E4D7E63D-91F2-4366-A2C4-1B00C9E2590E}" type="slidenum">
               <a:rPr lang="zh-TW" altLang="en-US" smtClean="0"/>
               <a:pPr/>
-              <a:t>7</a:t>
+              <a:t>4</a:t>
             </a:fld>
             <a:endParaRPr lang="zh-TW" altLang="en-US"/>
           </a:p>
         </p:txBody>
       </p:sp>
-      <p:sp>
-        <p:nvSpPr>
-          <p:cNvPr id="7" name="副標題 2"/>
-          <p:cNvSpPr txBox="1">
-            <a:spLocks/>
-          </p:cNvSpPr>
+      <p:pic>
+        <p:nvPicPr>
+          <p:cNvPr id="9" name="Picture 8">
+            <a:extLst>
+              <a:ext uri="{FF2B5EF4-FFF2-40B4-BE49-F238E27FC236}">
+                <a16:creationId xmlns:a16="http://schemas.microsoft.com/office/drawing/2014/main" id="{3409652B-7701-4625-9844-24D01582555F}"/>
+              </a:ext>
+            </a:extLst>
+          </p:cNvPr>
+          <p:cNvPicPr>
+            <a:picLocks noChangeAspect="1"/>
+          </p:cNvPicPr>
           <p:nvPr/>
-        </p:nvSpPr>
+        </p:nvPicPr>
+        <p:blipFill>
+          <a:blip r:embed="rId2"/>
+          <a:stretch>
+            <a:fillRect/>
+          </a:stretch>
+        </p:blipFill>
         <p:spPr>
           <a:xfrm>
-            <a:off x="1043608" y="2852936"/>
-            <a:ext cx="3672408" cy="648072"/>
+            <a:off x="4362367" y="2095887"/>
+            <a:ext cx="4284166" cy="4641776"/>
           </a:xfrm>
           <a:prstGeom prst="rect">
             <a:avLst/>
@@ -5536,88 +5381,230 @@
             </a:solidFill>
           </a:ln>
         </p:spPr>
-        <p:txBody>
-          <a:bodyPr vert="horz" lIns="91440" tIns="45720" rIns="91440" bIns="45720" rtlCol="0">
+      </p:pic>
+      <p:pic>
+        <p:nvPicPr>
+          <p:cNvPr id="10" name="Picture 9">
+            <a:extLst>
+              <a:ext uri="{FF2B5EF4-FFF2-40B4-BE49-F238E27FC236}">
+                <a16:creationId xmlns:a16="http://schemas.microsoft.com/office/drawing/2014/main" id="{128A1669-418B-48F5-9E74-2E0C8B0085F0}"/>
+              </a:ext>
+            </a:extLst>
+          </p:cNvPr>
+          <p:cNvPicPr>
+            <a:picLocks noChangeAspect="1"/>
+          </p:cNvPicPr>
+          <p:nvPr/>
+        </p:nvPicPr>
+        <p:blipFill>
+          <a:blip r:embed="rId3"/>
+          <a:stretch>
+            <a:fillRect/>
+          </a:stretch>
+        </p:blipFill>
+        <p:spPr>
+          <a:xfrm>
+            <a:off x="499274" y="2060847"/>
+            <a:ext cx="3649415" cy="968212"/>
+          </a:xfrm>
+          <a:prstGeom prst="rect">
+            <a:avLst/>
+          </a:prstGeom>
+          <a:ln>
+            <a:solidFill>
+              <a:srgbClr val="C00000"/>
+            </a:solidFill>
+          </a:ln>
+        </p:spPr>
+      </p:pic>
+    </p:spTree>
+  </p:cSld>
+  <p:clrMapOvr>
+    <a:masterClrMapping/>
+  </p:clrMapOvr>
+</p:sld>
+</file>
+
+<file path=ppt/slides/slide5.xml><?xml version="1.0" encoding="utf-8"?>
+<p:sld xmlns:a="http://schemas.openxmlformats.org/drawingml/2006/main" xmlns:r="http://schemas.openxmlformats.org/officeDocument/2006/relationships" xmlns:p="http://schemas.openxmlformats.org/presentationml/2006/main">
+  <p:cSld>
+    <p:spTree>
+      <p:nvGrpSpPr>
+        <p:cNvPr id="1" name=""/>
+        <p:cNvGrpSpPr/>
+        <p:nvPr/>
+      </p:nvGrpSpPr>
+      <p:grpSpPr>
+        <a:xfrm>
+          <a:off x="0" y="0"/>
+          <a:ext cx="0" cy="0"/>
+          <a:chOff x="0" y="0"/>
+          <a:chExt cx="0" cy="0"/>
+        </a:xfrm>
+      </p:grpSpPr>
+      <p:sp>
+        <p:nvSpPr>
+          <p:cNvPr id="2" name="標題 1"/>
+          <p:cNvSpPr>
+            <a:spLocks noGrp="1"/>
+          </p:cNvSpPr>
+          <p:nvPr>
+            <p:ph type="ctrTitle"/>
+          </p:nvPr>
+        </p:nvSpPr>
+        <p:spPr>
+          <a:xfrm>
+            <a:off x="0" y="1"/>
+            <a:ext cx="9144000" cy="764704"/>
+          </a:xfrm>
+          <a:gradFill flip="none" rotWithShape="1">
+            <a:gsLst>
+              <a:gs pos="0">
+                <a:srgbClr val="C00000">
+                  <a:shade val="30000"/>
+                  <a:satMod val="115000"/>
+                </a:srgbClr>
+              </a:gs>
+              <a:gs pos="50000">
+                <a:srgbClr val="C00000">
+                  <a:shade val="67500"/>
+                  <a:satMod val="115000"/>
+                </a:srgbClr>
+              </a:gs>
+              <a:gs pos="100000">
+                <a:srgbClr val="C00000">
+                  <a:shade val="100000"/>
+                  <a:satMod val="115000"/>
+                </a:srgbClr>
+              </a:gs>
+            </a:gsLst>
+            <a:path path="circle">
+              <a:fillToRect t="100000" r="100000"/>
+            </a:path>
+            <a:tileRect l="-100000" b="-100000"/>
+          </a:gradFill>
+        </p:spPr>
+        <p:txBody>
+          <a:bodyPr/>
+          <a:lstStyle/>
+          <a:p>
+            <a:pPr algn="l"/>
+            <a:r>
+              <a:rPr lang="en-US" altLang="zh-TW" b="1" dirty="0">
+                <a:solidFill>
+                  <a:srgbClr val="FFFF00"/>
+                </a:solidFill>
+              </a:rPr>
+              <a:t>11 Stream</a:t>
+            </a:r>
+            <a:endParaRPr lang="zh-TW" altLang="en-US" b="1" dirty="0">
+              <a:solidFill>
+                <a:srgbClr val="FFFF00"/>
+              </a:solidFill>
+            </a:endParaRPr>
+          </a:p>
+        </p:txBody>
+      </p:sp>
+      <p:sp>
+        <p:nvSpPr>
+          <p:cNvPr id="3" name="副標題 2"/>
+          <p:cNvSpPr>
+            <a:spLocks noGrp="1"/>
+          </p:cNvSpPr>
+          <p:nvPr>
+            <p:ph type="subTitle" idx="1"/>
+          </p:nvPr>
+        </p:nvSpPr>
+        <p:spPr>
+          <a:xfrm>
+            <a:off x="467544" y="1268759"/>
+            <a:ext cx="8424936" cy="432049"/>
+          </a:xfrm>
+          <a:ln>
+            <a:solidFill>
+              <a:srgbClr val="C00000"/>
+            </a:solidFill>
+          </a:ln>
+        </p:spPr>
+        <p:txBody>
+          <a:bodyPr>
             <a:noAutofit/>
           </a:bodyPr>
           <a:lstStyle/>
           <a:p>
+            <a:pPr marL="342900" indent="-342900">
+              <a:buSzPct val="80000"/>
+            </a:pPr>
+            <a:r>
+              <a:rPr lang="en-US" b="1" dirty="0"/>
+              <a:t>Writing to a Stream</a:t>
+            </a:r>
+          </a:p>
+        </p:txBody>
+      </p:sp>
+      <p:sp>
+        <p:nvSpPr>
+          <p:cNvPr id="4" name="標題 1"/>
+          <p:cNvSpPr txBox="1">
+            <a:spLocks/>
+          </p:cNvSpPr>
+          <p:nvPr/>
+        </p:nvSpPr>
+        <p:spPr>
+          <a:xfrm>
+            <a:off x="0" y="764704"/>
+            <a:ext cx="9144000" cy="360040"/>
+          </a:xfrm>
+          <a:prstGeom prst="rect">
+            <a:avLst/>
+          </a:prstGeom>
+          <a:gradFill flip="none" rotWithShape="1">
+            <a:gsLst>
+              <a:gs pos="0">
+                <a:srgbClr val="00B0F0">
+                  <a:shade val="30000"/>
+                  <a:satMod val="115000"/>
+                </a:srgbClr>
+              </a:gs>
+              <a:gs pos="50000">
+                <a:srgbClr val="00B0F0">
+                  <a:shade val="67500"/>
+                  <a:satMod val="115000"/>
+                </a:srgbClr>
+              </a:gs>
+              <a:gs pos="100000">
+                <a:srgbClr val="00B0F0">
+                  <a:shade val="100000"/>
+                  <a:satMod val="115000"/>
+                </a:srgbClr>
+              </a:gs>
+            </a:gsLst>
+            <a:path path="circle">
+              <a:fillToRect t="100000" r="100000"/>
+            </a:path>
+            <a:tileRect l="-100000" b="-100000"/>
+          </a:gradFill>
+        </p:spPr>
+        <p:txBody>
+          <a:bodyPr vert="horz" lIns="91440" tIns="45720" rIns="91440" bIns="45720" rtlCol="0" anchor="ctr">
+            <a:normAutofit/>
+          </a:bodyPr>
+          <a:lstStyle/>
+          <a:p>
             <a:pPr lvl="0">
               <a:spcBef>
-                <a:spcPct val="20000"/>
+                <a:spcPct val="0"/>
               </a:spcBef>
-              <a:buClr>
-                <a:srgbClr val="0070C0"/>
-              </a:buClr>
-              <a:buSzPct val="80000"/>
             </a:pPr>
             <a:r>
-              <a:rPr lang="en-US" altLang="zh-TW" sz="1200" dirty="0" smtClean="0"/>
-              <a:t>$ </a:t>
-            </a:r>
-            <a:r>
-              <a:rPr lang="en-US" altLang="zh-TW" sz="1200" dirty="0" err="1" smtClean="0"/>
-              <a:t>ls</a:t>
-            </a:r>
-            <a:r>
-              <a:rPr lang="en-US" altLang="zh-TW" sz="1200" dirty="0" smtClean="0"/>
-              <a:t> -l </a:t>
-            </a:r>
-          </a:p>
-          <a:p>
-            <a:pPr lvl="0">
-              <a:spcBef>
-                <a:spcPct val="20000"/>
-              </a:spcBef>
-              <a:buClr>
-                <a:srgbClr val="0070C0"/>
-              </a:buClr>
-              <a:buSzPct val="80000"/>
-            </a:pPr>
-            <a:r>
-              <a:rPr lang="en-US" altLang="zh-TW" sz="1200" dirty="0" smtClean="0"/>
-              <a:t>total 0 </a:t>
-            </a:r>
-          </a:p>
-          <a:p>
-            <a:pPr lvl="0">
-              <a:spcBef>
-                <a:spcPct val="20000"/>
-              </a:spcBef>
-              <a:buClr>
-                <a:srgbClr val="0070C0"/>
-              </a:buClr>
-              <a:buSzPct val="80000"/>
-            </a:pPr>
-            <a:r>
-              <a:rPr lang="en-US" altLang="zh-TW" sz="1200" dirty="0" err="1" smtClean="0"/>
-              <a:t>drwxr</a:t>
-            </a:r>
-            <a:r>
-              <a:rPr lang="en-US" altLang="zh-TW" sz="1200" dirty="0" smtClean="0"/>
-              <a:t>-</a:t>
-            </a:r>
-            <a:r>
-              <a:rPr lang="en-US" altLang="zh-TW" sz="1200" dirty="0" err="1" smtClean="0"/>
-              <a:t>xr</a:t>
-            </a:r>
-            <a:r>
-              <a:rPr lang="en-US" altLang="zh-TW" sz="1200" dirty="0" smtClean="0"/>
-              <a:t>-x 3 root </a:t>
-            </a:r>
-            <a:r>
-              <a:rPr lang="en-US" altLang="zh-TW" sz="1200" dirty="0" err="1" smtClean="0"/>
-              <a:t>root</a:t>
-            </a:r>
-            <a:r>
-              <a:rPr lang="en-US" altLang="zh-TW" sz="1200" dirty="0" smtClean="0"/>
-              <a:t> 20 Mar 17 02:23 </a:t>
-            </a:r>
-            <a:r>
-              <a:rPr lang="en-US" altLang="zh-TW" sz="1200" dirty="0" err="1" smtClean="0"/>
-              <a:t>node_modules</a:t>
-            </a:r>
-            <a:endParaRPr kumimoji="0" lang="en-US" altLang="zh-TW" sz="1200" b="0" i="0" u="none" strike="noStrike" kern="1200" cap="none" spc="0" normalizeH="0" baseline="0" noProof="0" dirty="0">
+              <a:rPr lang="en-US" altLang="zh-TW" sz="1600" dirty="0">
+                <a:latin typeface="+mj-lt"/>
+                <a:ea typeface="+mj-ea"/>
+                <a:cs typeface="+mj-cs"/>
+              </a:rPr>
+              <a:t>https://www.tutorialspoint.com/nodejs/nodejs_streams.htm</a:t>
+            </a:r>
+            <a:endParaRPr kumimoji="0" lang="zh-TW" altLang="en-US" sz="1600" b="0" i="0" u="none" strike="noStrike" kern="1200" cap="none" spc="0" normalizeH="0" baseline="0" noProof="0" dirty="0">
               <a:ln>
                 <a:noFill/>
               </a:ln>
@@ -5628,13 +5615,828 @@
               <a:uLnTx/>
               <a:uFillTx/>
               <a:latin typeface="+mj-lt"/>
-              <a:ea typeface="+mn-ea"/>
-              <a:cs typeface="+mn-cs"/>
+              <a:ea typeface="+mj-ea"/>
+              <a:cs typeface="+mj-cs"/>
             </a:endParaRPr>
           </a:p>
         </p:txBody>
       </p:sp>
+      <p:sp>
+        <p:nvSpPr>
+          <p:cNvPr id="5" name="日期版面配置區 4"/>
+          <p:cNvSpPr>
+            <a:spLocks noGrp="1"/>
+          </p:cNvSpPr>
+          <p:nvPr>
+            <p:ph type="dt" sz="half" idx="10"/>
+          </p:nvPr>
+        </p:nvSpPr>
+        <p:spPr/>
+        <p:txBody>
+          <a:bodyPr/>
+          <a:lstStyle/>
+          <a:p>
+            <a:fld id="{A4F910E6-8D00-4BAF-8C48-9688E0B449D3}" type="datetime1">
+              <a:rPr lang="zh-TW" altLang="en-US" smtClean="0"/>
+              <a:pPr/>
+              <a:t>2019/2/28</a:t>
+            </a:fld>
+            <a:endParaRPr lang="zh-TW" altLang="en-US"/>
+          </a:p>
+        </p:txBody>
+      </p:sp>
+      <p:sp>
+        <p:nvSpPr>
+          <p:cNvPr id="6" name="投影片編號版面配置區 5"/>
+          <p:cNvSpPr>
+            <a:spLocks noGrp="1"/>
+          </p:cNvSpPr>
+          <p:nvPr>
+            <p:ph type="sldNum" sz="quarter" idx="12"/>
+          </p:nvPr>
+        </p:nvSpPr>
+        <p:spPr/>
+        <p:txBody>
+          <a:bodyPr/>
+          <a:lstStyle/>
+          <a:p>
+            <a:fld id="{E4D7E63D-91F2-4366-A2C4-1B00C9E2590E}" type="slidenum">
+              <a:rPr lang="zh-TW" altLang="en-US" smtClean="0"/>
+              <a:pPr/>
+              <a:t>5</a:t>
+            </a:fld>
+            <a:endParaRPr lang="zh-TW" altLang="en-US"/>
+          </a:p>
+        </p:txBody>
+      </p:sp>
+      <p:pic>
+        <p:nvPicPr>
+          <p:cNvPr id="7" name="Picture 6">
+            <a:extLst>
+              <a:ext uri="{FF2B5EF4-FFF2-40B4-BE49-F238E27FC236}">
+                <a16:creationId xmlns:a16="http://schemas.microsoft.com/office/drawing/2014/main" id="{6BD7B239-1814-411C-8B8F-7F36B4C4C0BD}"/>
+              </a:ext>
+            </a:extLst>
+          </p:cNvPr>
+          <p:cNvPicPr>
+            <a:picLocks noChangeAspect="1"/>
+          </p:cNvPicPr>
+          <p:nvPr/>
+        </p:nvPicPr>
+        <p:blipFill>
+          <a:blip r:embed="rId2"/>
+          <a:stretch>
+            <a:fillRect/>
+          </a:stretch>
+        </p:blipFill>
+        <p:spPr>
+          <a:xfrm>
+            <a:off x="507402" y="1841633"/>
+            <a:ext cx="4207270" cy="4221087"/>
+          </a:xfrm>
+          <a:prstGeom prst="rect">
+            <a:avLst/>
+          </a:prstGeom>
+          <a:ln>
+            <a:solidFill>
+              <a:srgbClr val="C00000"/>
+            </a:solidFill>
+          </a:ln>
+        </p:spPr>
+      </p:pic>
+      <p:pic>
+        <p:nvPicPr>
+          <p:cNvPr id="8" name="Picture 7">
+            <a:extLst>
+              <a:ext uri="{FF2B5EF4-FFF2-40B4-BE49-F238E27FC236}">
+                <a16:creationId xmlns:a16="http://schemas.microsoft.com/office/drawing/2014/main" id="{8FCC71CF-95B1-4F4A-8E05-7418D12CB0C2}"/>
+              </a:ext>
+            </a:extLst>
+          </p:cNvPr>
+          <p:cNvPicPr>
+            <a:picLocks noChangeAspect="1"/>
+          </p:cNvPicPr>
+          <p:nvPr/>
+        </p:nvPicPr>
+        <p:blipFill>
+          <a:blip r:embed="rId3"/>
+          <a:stretch>
+            <a:fillRect/>
+          </a:stretch>
+        </p:blipFill>
+        <p:spPr>
+          <a:xfrm>
+            <a:off x="5119687" y="1841633"/>
+            <a:ext cx="2867025" cy="638175"/>
+          </a:xfrm>
+          <a:prstGeom prst="rect">
+            <a:avLst/>
+          </a:prstGeom>
+          <a:ln>
+            <a:solidFill>
+              <a:srgbClr val="C00000"/>
+            </a:solidFill>
+          </a:ln>
+        </p:spPr>
+      </p:pic>
     </p:spTree>
+    <p:extLst>
+      <p:ext uri="{BB962C8B-B14F-4D97-AF65-F5344CB8AC3E}">
+        <p14:creationId xmlns:p14="http://schemas.microsoft.com/office/powerpoint/2010/main" val="2654815038"/>
+      </p:ext>
+    </p:extLst>
+  </p:cSld>
+  <p:clrMapOvr>
+    <a:masterClrMapping/>
+  </p:clrMapOvr>
+</p:sld>
+</file>
+
+<file path=ppt/slides/slide6.xml><?xml version="1.0" encoding="utf-8"?>
+<p:sld xmlns:a="http://schemas.openxmlformats.org/drawingml/2006/main" xmlns:r="http://schemas.openxmlformats.org/officeDocument/2006/relationships" xmlns:p="http://schemas.openxmlformats.org/presentationml/2006/main">
+  <p:cSld>
+    <p:spTree>
+      <p:nvGrpSpPr>
+        <p:cNvPr id="1" name=""/>
+        <p:cNvGrpSpPr/>
+        <p:nvPr/>
+      </p:nvGrpSpPr>
+      <p:grpSpPr>
+        <a:xfrm>
+          <a:off x="0" y="0"/>
+          <a:ext cx="0" cy="0"/>
+          <a:chOff x="0" y="0"/>
+          <a:chExt cx="0" cy="0"/>
+        </a:xfrm>
+      </p:grpSpPr>
+      <p:sp>
+        <p:nvSpPr>
+          <p:cNvPr id="2" name="標題 1"/>
+          <p:cNvSpPr>
+            <a:spLocks noGrp="1"/>
+          </p:cNvSpPr>
+          <p:nvPr>
+            <p:ph type="ctrTitle"/>
+          </p:nvPr>
+        </p:nvSpPr>
+        <p:spPr>
+          <a:xfrm>
+            <a:off x="0" y="1"/>
+            <a:ext cx="9144000" cy="764704"/>
+          </a:xfrm>
+          <a:gradFill flip="none" rotWithShape="1">
+            <a:gsLst>
+              <a:gs pos="0">
+                <a:srgbClr val="C00000">
+                  <a:shade val="30000"/>
+                  <a:satMod val="115000"/>
+                </a:srgbClr>
+              </a:gs>
+              <a:gs pos="50000">
+                <a:srgbClr val="C00000">
+                  <a:shade val="67500"/>
+                  <a:satMod val="115000"/>
+                </a:srgbClr>
+              </a:gs>
+              <a:gs pos="100000">
+                <a:srgbClr val="C00000">
+                  <a:shade val="100000"/>
+                  <a:satMod val="115000"/>
+                </a:srgbClr>
+              </a:gs>
+            </a:gsLst>
+            <a:path path="circle">
+              <a:fillToRect t="100000" r="100000"/>
+            </a:path>
+            <a:tileRect l="-100000" b="-100000"/>
+          </a:gradFill>
+        </p:spPr>
+        <p:txBody>
+          <a:bodyPr/>
+          <a:lstStyle/>
+          <a:p>
+            <a:pPr algn="l"/>
+            <a:r>
+              <a:rPr lang="en-US" altLang="zh-TW" b="1" dirty="0">
+                <a:solidFill>
+                  <a:srgbClr val="FFFF00"/>
+                </a:solidFill>
+              </a:rPr>
+              <a:t>11 Stream</a:t>
+            </a:r>
+            <a:endParaRPr lang="zh-TW" altLang="en-US" b="1" dirty="0">
+              <a:solidFill>
+                <a:srgbClr val="FFFF00"/>
+              </a:solidFill>
+            </a:endParaRPr>
+          </a:p>
+        </p:txBody>
+      </p:sp>
+      <p:sp>
+        <p:nvSpPr>
+          <p:cNvPr id="3" name="副標題 2"/>
+          <p:cNvSpPr>
+            <a:spLocks noGrp="1"/>
+          </p:cNvSpPr>
+          <p:nvPr>
+            <p:ph type="subTitle" idx="1"/>
+          </p:nvPr>
+        </p:nvSpPr>
+        <p:spPr>
+          <a:xfrm>
+            <a:off x="467544" y="1268759"/>
+            <a:ext cx="8424936" cy="2160241"/>
+          </a:xfrm>
+          <a:ln>
+            <a:solidFill>
+              <a:srgbClr val="C00000"/>
+            </a:solidFill>
+          </a:ln>
+        </p:spPr>
+        <p:txBody>
+          <a:bodyPr>
+            <a:noAutofit/>
+          </a:bodyPr>
+          <a:lstStyle/>
+          <a:p>
+            <a:pPr marL="342900" indent="-342900">
+              <a:buSzPct val="80000"/>
+            </a:pPr>
+            <a:r>
+              <a:rPr lang="en-US" b="1" dirty="0"/>
+              <a:t>Piping the Streams</a:t>
+            </a:r>
+          </a:p>
+          <a:p>
+            <a:pPr marL="342900" indent="-342900">
+              <a:buSzPct val="80000"/>
+            </a:pPr>
+            <a:r>
+              <a:rPr lang="en-US" dirty="0"/>
+              <a:t>Piping is a mechanism where we provide the output of one stream as the input to another stream. </a:t>
+            </a:r>
+          </a:p>
+          <a:p>
+            <a:pPr marL="342900" indent="-342900">
+              <a:buSzPct val="80000"/>
+            </a:pPr>
+            <a:r>
+              <a:rPr lang="en-US" dirty="0"/>
+              <a:t>It is normally used to get data from one stream and to pass the output of that stream to another stream. </a:t>
+            </a:r>
+          </a:p>
+          <a:p>
+            <a:pPr marL="342900" indent="-342900">
+              <a:buSzPct val="80000"/>
+            </a:pPr>
+            <a:r>
+              <a:rPr lang="en-US" dirty="0"/>
+              <a:t>There is no limit on piping operations. Now we'll show a piping example for reading from one file and writing it to another file.</a:t>
+            </a:r>
+          </a:p>
+        </p:txBody>
+      </p:sp>
+      <p:sp>
+        <p:nvSpPr>
+          <p:cNvPr id="4" name="標題 1"/>
+          <p:cNvSpPr txBox="1">
+            <a:spLocks/>
+          </p:cNvSpPr>
+          <p:nvPr/>
+        </p:nvSpPr>
+        <p:spPr>
+          <a:xfrm>
+            <a:off x="0" y="764704"/>
+            <a:ext cx="9144000" cy="360040"/>
+          </a:xfrm>
+          <a:prstGeom prst="rect">
+            <a:avLst/>
+          </a:prstGeom>
+          <a:gradFill flip="none" rotWithShape="1">
+            <a:gsLst>
+              <a:gs pos="0">
+                <a:srgbClr val="00B0F0">
+                  <a:shade val="30000"/>
+                  <a:satMod val="115000"/>
+                </a:srgbClr>
+              </a:gs>
+              <a:gs pos="50000">
+                <a:srgbClr val="00B0F0">
+                  <a:shade val="67500"/>
+                  <a:satMod val="115000"/>
+                </a:srgbClr>
+              </a:gs>
+              <a:gs pos="100000">
+                <a:srgbClr val="00B0F0">
+                  <a:shade val="100000"/>
+                  <a:satMod val="115000"/>
+                </a:srgbClr>
+              </a:gs>
+            </a:gsLst>
+            <a:path path="circle">
+              <a:fillToRect t="100000" r="100000"/>
+            </a:path>
+            <a:tileRect l="-100000" b="-100000"/>
+          </a:gradFill>
+        </p:spPr>
+        <p:txBody>
+          <a:bodyPr vert="horz" lIns="91440" tIns="45720" rIns="91440" bIns="45720" rtlCol="0" anchor="ctr">
+            <a:normAutofit/>
+          </a:bodyPr>
+          <a:lstStyle/>
+          <a:p>
+            <a:pPr lvl="0">
+              <a:spcBef>
+                <a:spcPct val="0"/>
+              </a:spcBef>
+            </a:pPr>
+            <a:r>
+              <a:rPr lang="en-US" altLang="zh-TW" sz="1600" dirty="0">
+                <a:latin typeface="+mj-lt"/>
+                <a:ea typeface="+mj-ea"/>
+                <a:cs typeface="+mj-cs"/>
+              </a:rPr>
+              <a:t>https://www.tutorialspoint.com/nodejs/nodejs_streams.htm</a:t>
+            </a:r>
+            <a:endParaRPr kumimoji="0" lang="zh-TW" altLang="en-US" sz="1600" b="0" i="0" u="none" strike="noStrike" kern="1200" cap="none" spc="0" normalizeH="0" baseline="0" noProof="0" dirty="0">
+              <a:ln>
+                <a:noFill/>
+              </a:ln>
+              <a:solidFill>
+                <a:schemeClr val="tx1"/>
+              </a:solidFill>
+              <a:effectLst/>
+              <a:uLnTx/>
+              <a:uFillTx/>
+              <a:latin typeface="+mj-lt"/>
+              <a:ea typeface="+mj-ea"/>
+              <a:cs typeface="+mj-cs"/>
+            </a:endParaRPr>
+          </a:p>
+        </p:txBody>
+      </p:sp>
+      <p:sp>
+        <p:nvSpPr>
+          <p:cNvPr id="5" name="日期版面配置區 4"/>
+          <p:cNvSpPr>
+            <a:spLocks noGrp="1"/>
+          </p:cNvSpPr>
+          <p:nvPr>
+            <p:ph type="dt" sz="half" idx="10"/>
+          </p:nvPr>
+        </p:nvSpPr>
+        <p:spPr/>
+        <p:txBody>
+          <a:bodyPr/>
+          <a:lstStyle/>
+          <a:p>
+            <a:fld id="{A4F910E6-8D00-4BAF-8C48-9688E0B449D3}" type="datetime1">
+              <a:rPr lang="zh-TW" altLang="en-US" smtClean="0"/>
+              <a:pPr/>
+              <a:t>2019/2/28</a:t>
+            </a:fld>
+            <a:endParaRPr lang="zh-TW" altLang="en-US"/>
+          </a:p>
+        </p:txBody>
+      </p:sp>
+      <p:sp>
+        <p:nvSpPr>
+          <p:cNvPr id="6" name="投影片編號版面配置區 5"/>
+          <p:cNvSpPr>
+            <a:spLocks noGrp="1"/>
+          </p:cNvSpPr>
+          <p:nvPr>
+            <p:ph type="sldNum" sz="quarter" idx="12"/>
+          </p:nvPr>
+        </p:nvSpPr>
+        <p:spPr/>
+        <p:txBody>
+          <a:bodyPr/>
+          <a:lstStyle/>
+          <a:p>
+            <a:fld id="{E4D7E63D-91F2-4366-A2C4-1B00C9E2590E}" type="slidenum">
+              <a:rPr lang="zh-TW" altLang="en-US" smtClean="0"/>
+              <a:pPr/>
+              <a:t>6</a:t>
+            </a:fld>
+            <a:endParaRPr lang="zh-TW" altLang="en-US"/>
+          </a:p>
+        </p:txBody>
+      </p:sp>
+    </p:spTree>
+    <p:extLst>
+      <p:ext uri="{BB962C8B-B14F-4D97-AF65-F5344CB8AC3E}">
+        <p14:creationId xmlns:p14="http://schemas.microsoft.com/office/powerpoint/2010/main" val="1090277509"/>
+      </p:ext>
+    </p:extLst>
+  </p:cSld>
+  <p:clrMapOvr>
+    <a:masterClrMapping/>
+  </p:clrMapOvr>
+</p:sld>
+</file>
+
+<file path=ppt/slides/slide7.xml><?xml version="1.0" encoding="utf-8"?>
+<p:sld xmlns:a="http://schemas.openxmlformats.org/drawingml/2006/main" xmlns:r="http://schemas.openxmlformats.org/officeDocument/2006/relationships" xmlns:p="http://schemas.openxmlformats.org/presentationml/2006/main">
+  <p:cSld>
+    <p:spTree>
+      <p:nvGrpSpPr>
+        <p:cNvPr id="1" name=""/>
+        <p:cNvGrpSpPr/>
+        <p:nvPr/>
+      </p:nvGrpSpPr>
+      <p:grpSpPr>
+        <a:xfrm>
+          <a:off x="0" y="0"/>
+          <a:ext cx="0" cy="0"/>
+          <a:chOff x="0" y="0"/>
+          <a:chExt cx="0" cy="0"/>
+        </a:xfrm>
+      </p:grpSpPr>
+      <p:sp>
+        <p:nvSpPr>
+          <p:cNvPr id="2" name="標題 1"/>
+          <p:cNvSpPr>
+            <a:spLocks noGrp="1"/>
+          </p:cNvSpPr>
+          <p:nvPr>
+            <p:ph type="ctrTitle"/>
+          </p:nvPr>
+        </p:nvSpPr>
+        <p:spPr>
+          <a:xfrm>
+            <a:off x="0" y="1"/>
+            <a:ext cx="9144000" cy="764704"/>
+          </a:xfrm>
+          <a:gradFill flip="none" rotWithShape="1">
+            <a:gsLst>
+              <a:gs pos="0">
+                <a:srgbClr val="C00000">
+                  <a:shade val="30000"/>
+                  <a:satMod val="115000"/>
+                </a:srgbClr>
+              </a:gs>
+              <a:gs pos="50000">
+                <a:srgbClr val="C00000">
+                  <a:shade val="67500"/>
+                  <a:satMod val="115000"/>
+                </a:srgbClr>
+              </a:gs>
+              <a:gs pos="100000">
+                <a:srgbClr val="C00000">
+                  <a:shade val="100000"/>
+                  <a:satMod val="115000"/>
+                </a:srgbClr>
+              </a:gs>
+            </a:gsLst>
+            <a:path path="circle">
+              <a:fillToRect t="100000" r="100000"/>
+            </a:path>
+            <a:tileRect l="-100000" b="-100000"/>
+          </a:gradFill>
+        </p:spPr>
+        <p:txBody>
+          <a:bodyPr/>
+          <a:lstStyle/>
+          <a:p>
+            <a:pPr algn="l"/>
+            <a:r>
+              <a:rPr lang="en-US" altLang="zh-TW" b="1" dirty="0">
+                <a:solidFill>
+                  <a:srgbClr val="FFFF00"/>
+                </a:solidFill>
+              </a:rPr>
+              <a:t>11 Stream</a:t>
+            </a:r>
+            <a:endParaRPr lang="zh-TW" altLang="en-US" b="1" dirty="0">
+              <a:solidFill>
+                <a:srgbClr val="FFFF00"/>
+              </a:solidFill>
+            </a:endParaRPr>
+          </a:p>
+        </p:txBody>
+      </p:sp>
+      <p:sp>
+        <p:nvSpPr>
+          <p:cNvPr id="3" name="副標題 2"/>
+          <p:cNvSpPr>
+            <a:spLocks noGrp="1"/>
+          </p:cNvSpPr>
+          <p:nvPr>
+            <p:ph type="subTitle" idx="1"/>
+          </p:nvPr>
+        </p:nvSpPr>
+        <p:spPr>
+          <a:xfrm>
+            <a:off x="467544" y="1268760"/>
+            <a:ext cx="8424936" cy="360040"/>
+          </a:xfrm>
+          <a:ln>
+            <a:solidFill>
+              <a:srgbClr val="C00000"/>
+            </a:solidFill>
+          </a:ln>
+        </p:spPr>
+        <p:txBody>
+          <a:bodyPr>
+            <a:noAutofit/>
+          </a:bodyPr>
+          <a:lstStyle/>
+          <a:p>
+            <a:pPr marL="342900" indent="-342900">
+              <a:buSzPct val="80000"/>
+            </a:pPr>
+            <a:r>
+              <a:rPr lang="en-US" b="1" dirty="0"/>
+              <a:t>Example</a:t>
+            </a:r>
+            <a:endParaRPr lang="en-US" dirty="0"/>
+          </a:p>
+        </p:txBody>
+      </p:sp>
+      <p:sp>
+        <p:nvSpPr>
+          <p:cNvPr id="4" name="標題 1"/>
+          <p:cNvSpPr txBox="1">
+            <a:spLocks/>
+          </p:cNvSpPr>
+          <p:nvPr/>
+        </p:nvSpPr>
+        <p:spPr>
+          <a:xfrm>
+            <a:off x="0" y="764704"/>
+            <a:ext cx="9144000" cy="360040"/>
+          </a:xfrm>
+          <a:prstGeom prst="rect">
+            <a:avLst/>
+          </a:prstGeom>
+          <a:gradFill flip="none" rotWithShape="1">
+            <a:gsLst>
+              <a:gs pos="0">
+                <a:srgbClr val="00B0F0">
+                  <a:shade val="30000"/>
+                  <a:satMod val="115000"/>
+                </a:srgbClr>
+              </a:gs>
+              <a:gs pos="50000">
+                <a:srgbClr val="00B0F0">
+                  <a:shade val="67500"/>
+                  <a:satMod val="115000"/>
+                </a:srgbClr>
+              </a:gs>
+              <a:gs pos="100000">
+                <a:srgbClr val="00B0F0">
+                  <a:shade val="100000"/>
+                  <a:satMod val="115000"/>
+                </a:srgbClr>
+              </a:gs>
+            </a:gsLst>
+            <a:path path="circle">
+              <a:fillToRect t="100000" r="100000"/>
+            </a:path>
+            <a:tileRect l="-100000" b="-100000"/>
+          </a:gradFill>
+        </p:spPr>
+        <p:txBody>
+          <a:bodyPr vert="horz" lIns="91440" tIns="45720" rIns="91440" bIns="45720" rtlCol="0" anchor="ctr">
+            <a:normAutofit/>
+          </a:bodyPr>
+          <a:lstStyle/>
+          <a:p>
+            <a:pPr lvl="0">
+              <a:spcBef>
+                <a:spcPct val="0"/>
+              </a:spcBef>
+            </a:pPr>
+            <a:r>
+              <a:rPr lang="en-US" altLang="zh-TW" sz="1600" dirty="0">
+                <a:latin typeface="+mj-lt"/>
+                <a:ea typeface="+mj-ea"/>
+                <a:cs typeface="+mj-cs"/>
+              </a:rPr>
+              <a:t>https://www.tutorialspoint.com/nodejs/nodejs_streams.htm</a:t>
+            </a:r>
+            <a:endParaRPr kumimoji="0" lang="zh-TW" altLang="en-US" sz="1600" b="0" i="0" u="none" strike="noStrike" kern="1200" cap="none" spc="0" normalizeH="0" baseline="0" noProof="0" dirty="0">
+              <a:ln>
+                <a:noFill/>
+              </a:ln>
+              <a:solidFill>
+                <a:schemeClr val="tx1"/>
+              </a:solidFill>
+              <a:effectLst/>
+              <a:uLnTx/>
+              <a:uFillTx/>
+              <a:latin typeface="+mj-lt"/>
+              <a:ea typeface="+mj-ea"/>
+              <a:cs typeface="+mj-cs"/>
+            </a:endParaRPr>
+          </a:p>
+        </p:txBody>
+      </p:sp>
+      <p:sp>
+        <p:nvSpPr>
+          <p:cNvPr id="5" name="日期版面配置區 4"/>
+          <p:cNvSpPr>
+            <a:spLocks noGrp="1"/>
+          </p:cNvSpPr>
+          <p:nvPr>
+            <p:ph type="dt" sz="half" idx="10"/>
+          </p:nvPr>
+        </p:nvSpPr>
+        <p:spPr/>
+        <p:txBody>
+          <a:bodyPr/>
+          <a:lstStyle/>
+          <a:p>
+            <a:fld id="{A4F910E6-8D00-4BAF-8C48-9688E0B449D3}" type="datetime1">
+              <a:rPr lang="zh-TW" altLang="en-US" smtClean="0"/>
+              <a:pPr/>
+              <a:t>2019/2/28</a:t>
+            </a:fld>
+            <a:endParaRPr lang="zh-TW" altLang="en-US"/>
+          </a:p>
+        </p:txBody>
+      </p:sp>
+      <p:sp>
+        <p:nvSpPr>
+          <p:cNvPr id="6" name="投影片編號版面配置區 5"/>
+          <p:cNvSpPr>
+            <a:spLocks noGrp="1"/>
+          </p:cNvSpPr>
+          <p:nvPr>
+            <p:ph type="sldNum" sz="quarter" idx="12"/>
+          </p:nvPr>
+        </p:nvSpPr>
+        <p:spPr/>
+        <p:txBody>
+          <a:bodyPr/>
+          <a:lstStyle/>
+          <a:p>
+            <a:fld id="{E4D7E63D-91F2-4366-A2C4-1B00C9E2590E}" type="slidenum">
+              <a:rPr lang="zh-TW" altLang="en-US" smtClean="0"/>
+              <a:pPr/>
+              <a:t>7</a:t>
+            </a:fld>
+            <a:endParaRPr lang="zh-TW" altLang="en-US"/>
+          </a:p>
+        </p:txBody>
+      </p:sp>
+      <p:pic>
+        <p:nvPicPr>
+          <p:cNvPr id="8" name="Picture 7">
+            <a:extLst>
+              <a:ext uri="{FF2B5EF4-FFF2-40B4-BE49-F238E27FC236}">
+                <a16:creationId xmlns:a16="http://schemas.microsoft.com/office/drawing/2014/main" id="{398724DB-9B0E-4D3A-BB24-D9CF5B9A154B}"/>
+              </a:ext>
+            </a:extLst>
+          </p:cNvPr>
+          <p:cNvPicPr>
+            <a:picLocks noChangeAspect="1"/>
+          </p:cNvPicPr>
+          <p:nvPr/>
+        </p:nvPicPr>
+        <p:blipFill>
+          <a:blip r:embed="rId2"/>
+          <a:stretch>
+            <a:fillRect/>
+          </a:stretch>
+        </p:blipFill>
+        <p:spPr>
+          <a:xfrm>
+            <a:off x="470673" y="2024386"/>
+            <a:ext cx="5724525" cy="3971925"/>
+          </a:xfrm>
+          <a:prstGeom prst="rect">
+            <a:avLst/>
+          </a:prstGeom>
+          <a:ln>
+            <a:solidFill>
+              <a:srgbClr val="C00000"/>
+            </a:solidFill>
+          </a:ln>
+        </p:spPr>
+      </p:pic>
+      <p:pic>
+        <p:nvPicPr>
+          <p:cNvPr id="9" name="Picture 8">
+            <a:extLst>
+              <a:ext uri="{FF2B5EF4-FFF2-40B4-BE49-F238E27FC236}">
+                <a16:creationId xmlns:a16="http://schemas.microsoft.com/office/drawing/2014/main" id="{CCE9639D-AA3C-4C0C-81AE-601765092479}"/>
+              </a:ext>
+            </a:extLst>
+          </p:cNvPr>
+          <p:cNvPicPr>
+            <a:picLocks noChangeAspect="1"/>
+          </p:cNvPicPr>
+          <p:nvPr/>
+        </p:nvPicPr>
+        <p:blipFill>
+          <a:blip r:embed="rId3"/>
+          <a:stretch>
+            <a:fillRect/>
+          </a:stretch>
+        </p:blipFill>
+        <p:spPr>
+          <a:xfrm>
+            <a:off x="4790807" y="3920993"/>
+            <a:ext cx="4276725" cy="1000125"/>
+          </a:xfrm>
+          <a:prstGeom prst="rect">
+            <a:avLst/>
+          </a:prstGeom>
+          <a:ln>
+            <a:solidFill>
+              <a:srgbClr val="C00000"/>
+            </a:solidFill>
+          </a:ln>
+        </p:spPr>
+      </p:pic>
+      <p:pic>
+        <p:nvPicPr>
+          <p:cNvPr id="10" name="Picture 9">
+            <a:extLst>
+              <a:ext uri="{FF2B5EF4-FFF2-40B4-BE49-F238E27FC236}">
+                <a16:creationId xmlns:a16="http://schemas.microsoft.com/office/drawing/2014/main" id="{53D2ED20-CB48-4B7B-B7E8-BC627470FFC3}"/>
+              </a:ext>
+            </a:extLst>
+          </p:cNvPr>
+          <p:cNvPicPr>
+            <a:picLocks noChangeAspect="1"/>
+          </p:cNvPicPr>
+          <p:nvPr/>
+        </p:nvPicPr>
+        <p:blipFill>
+          <a:blip r:embed="rId4"/>
+          <a:stretch>
+            <a:fillRect/>
+          </a:stretch>
+        </p:blipFill>
+        <p:spPr>
+          <a:xfrm>
+            <a:off x="4825305" y="1759731"/>
+            <a:ext cx="4067175" cy="1152525"/>
+          </a:xfrm>
+          <a:prstGeom prst="rect">
+            <a:avLst/>
+          </a:prstGeom>
+          <a:ln>
+            <a:solidFill>
+              <a:srgbClr val="C00000"/>
+            </a:solidFill>
+          </a:ln>
+        </p:spPr>
+      </p:pic>
+      <p:cxnSp>
+        <p:nvCxnSpPr>
+          <p:cNvPr id="12" name="Straight Arrow Connector 11">
+            <a:extLst>
+              <a:ext uri="{FF2B5EF4-FFF2-40B4-BE49-F238E27FC236}">
+                <a16:creationId xmlns:a16="http://schemas.microsoft.com/office/drawing/2014/main" id="{33197AA1-3F6F-4D8D-89F5-4E012612B0AD}"/>
+              </a:ext>
+            </a:extLst>
+          </p:cNvPr>
+          <p:cNvCxnSpPr>
+            <a:stCxn id="10" idx="2"/>
+            <a:endCxn id="9" idx="0"/>
+          </p:cNvCxnSpPr>
+          <p:nvPr/>
+        </p:nvCxnSpPr>
+        <p:spPr>
+          <a:xfrm>
+            <a:off x="6858893" y="2912256"/>
+            <a:ext cx="70277" cy="1008737"/>
+          </a:xfrm>
+          <a:prstGeom prst="straightConnector1">
+            <a:avLst/>
+          </a:prstGeom>
+          <a:ln>
+            <a:solidFill>
+              <a:srgbClr val="C00000"/>
+            </a:solidFill>
+            <a:tailEnd type="triangle"/>
+          </a:ln>
+        </p:spPr>
+        <p:style>
+          <a:lnRef idx="1">
+            <a:schemeClr val="accent1"/>
+          </a:lnRef>
+          <a:fillRef idx="0">
+            <a:schemeClr val="accent1"/>
+          </a:fillRef>
+          <a:effectRef idx="0">
+            <a:schemeClr val="accent1"/>
+          </a:effectRef>
+          <a:fontRef idx="minor">
+            <a:schemeClr val="tx1"/>
+          </a:fontRef>
+        </p:style>
+      </p:cxnSp>
+    </p:spTree>
+    <p:extLst>
+      <p:ext uri="{BB962C8B-B14F-4D97-AF65-F5344CB8AC3E}">
+        <p14:creationId xmlns:p14="http://schemas.microsoft.com/office/powerpoint/2010/main" val="1705705397"/>
+      </p:ext>
+    </p:extLst>
   </p:cSld>
   <p:clrMapOvr>
     <a:masterClrMapping/>
@@ -5671,28 +6473,50 @@
         </p:nvSpPr>
         <p:spPr>
           <a:xfrm>
-            <a:off x="0" y="2130425"/>
-            <a:ext cx="9144000" cy="1470025"/>
+            <a:off x="0" y="1"/>
+            <a:ext cx="9144000" cy="764704"/>
           </a:xfrm>
-          <a:solidFill>
-            <a:srgbClr val="00B0F0"/>
-          </a:solidFill>
+          <a:gradFill flip="none" rotWithShape="1">
+            <a:gsLst>
+              <a:gs pos="0">
+                <a:srgbClr val="C00000">
+                  <a:shade val="30000"/>
+                  <a:satMod val="115000"/>
+                </a:srgbClr>
+              </a:gs>
+              <a:gs pos="50000">
+                <a:srgbClr val="C00000">
+                  <a:shade val="67500"/>
+                  <a:satMod val="115000"/>
+                </a:srgbClr>
+              </a:gs>
+              <a:gs pos="100000">
+                <a:srgbClr val="C00000">
+                  <a:shade val="100000"/>
+                  <a:satMod val="115000"/>
+                </a:srgbClr>
+              </a:gs>
+            </a:gsLst>
+            <a:path path="circle">
+              <a:fillToRect t="100000" r="100000"/>
+            </a:path>
+            <a:tileRect l="-100000" b="-100000"/>
+          </a:gradFill>
         </p:spPr>
         <p:txBody>
-          <a:bodyPr>
-            <a:normAutofit/>
-          </a:bodyPr>
-          <a:lstStyle/>
-          <a:p>
-            <a:r>
-              <a:rPr lang="en-US" altLang="zh-TW" sz="6000" b="1" dirty="0" smtClean="0">
+          <a:bodyPr/>
+          <a:lstStyle/>
+          <a:p>
+            <a:pPr algn="l"/>
+            <a:r>
+              <a:rPr lang="en-US" altLang="zh-TW" b="1" dirty="0">
                 <a:solidFill>
                   <a:srgbClr val="FFFF00"/>
                 </a:solidFill>
               </a:rPr>
-              <a:t>End of Chapter</a:t>
-            </a:r>
-            <a:endParaRPr lang="zh-TW" altLang="en-US" sz="6000" b="1" dirty="0">
+              <a:t>11 Stream</a:t>
+            </a:r>
+            <a:endParaRPr lang="zh-TW" altLang="en-US" b="1" dirty="0">
               <a:solidFill>
                 <a:srgbClr val="FFFF00"/>
               </a:solidFill>
@@ -5702,6 +6526,155 @@
       </p:sp>
       <p:sp>
         <p:nvSpPr>
+          <p:cNvPr id="3" name="副標題 2"/>
+          <p:cNvSpPr>
+            <a:spLocks noGrp="1"/>
+          </p:cNvSpPr>
+          <p:nvPr>
+            <p:ph type="subTitle" idx="1"/>
+          </p:nvPr>
+        </p:nvSpPr>
+        <p:spPr>
+          <a:xfrm>
+            <a:off x="467544" y="1268760"/>
+            <a:ext cx="8424936" cy="1872208"/>
+          </a:xfrm>
+          <a:ln>
+            <a:solidFill>
+              <a:srgbClr val="C00000"/>
+            </a:solidFill>
+          </a:ln>
+        </p:spPr>
+        <p:txBody>
+          <a:bodyPr>
+            <a:noAutofit/>
+          </a:bodyPr>
+          <a:lstStyle/>
+          <a:p>
+            <a:pPr marL="342900" indent="-342900">
+              <a:buSzPct val="80000"/>
+            </a:pPr>
+            <a:r>
+              <a:rPr lang="en-US" b="1" dirty="0"/>
+              <a:t>Chaining the Streams: Compress Zip File</a:t>
+            </a:r>
+          </a:p>
+          <a:p>
+            <a:pPr marL="342900" indent="-342900">
+              <a:buSzPct val="80000"/>
+            </a:pPr>
+            <a:r>
+              <a:rPr lang="en-US" dirty="0"/>
+              <a:t>Chaining is a mechanism to connect the output of one stream to another stream and create a chain of multiple stream operations. </a:t>
+            </a:r>
+          </a:p>
+          <a:p>
+            <a:pPr marL="342900" indent="-342900">
+              <a:buSzPct val="80000"/>
+            </a:pPr>
+            <a:r>
+              <a:rPr lang="en-US" dirty="0"/>
+              <a:t>It is normally used with piping operations. </a:t>
+            </a:r>
+          </a:p>
+          <a:p>
+            <a:pPr marL="342900" indent="-342900">
+              <a:buSzPct val="80000"/>
+            </a:pPr>
+            <a:r>
+              <a:rPr lang="en-US" dirty="0"/>
+              <a:t>Now we'll use piping and chaining to first compress a file and then decompress the same.</a:t>
+            </a:r>
+          </a:p>
+          <a:p>
+            <a:pPr marL="342900" indent="-342900">
+              <a:buSzPct val="80000"/>
+            </a:pPr>
+            <a:endParaRPr lang="en-US" dirty="0"/>
+          </a:p>
+        </p:txBody>
+      </p:sp>
+      <p:sp>
+        <p:nvSpPr>
+          <p:cNvPr id="4" name="標題 1"/>
+          <p:cNvSpPr txBox="1">
+            <a:spLocks/>
+          </p:cNvSpPr>
+          <p:nvPr/>
+        </p:nvSpPr>
+        <p:spPr>
+          <a:xfrm>
+            <a:off x="0" y="764704"/>
+            <a:ext cx="9144000" cy="360040"/>
+          </a:xfrm>
+          <a:prstGeom prst="rect">
+            <a:avLst/>
+          </a:prstGeom>
+          <a:gradFill flip="none" rotWithShape="1">
+            <a:gsLst>
+              <a:gs pos="0">
+                <a:srgbClr val="00B0F0">
+                  <a:shade val="30000"/>
+                  <a:satMod val="115000"/>
+                </a:srgbClr>
+              </a:gs>
+              <a:gs pos="50000">
+                <a:srgbClr val="00B0F0">
+                  <a:shade val="67500"/>
+                  <a:satMod val="115000"/>
+                </a:srgbClr>
+              </a:gs>
+              <a:gs pos="100000">
+                <a:srgbClr val="00B0F0">
+                  <a:shade val="100000"/>
+                  <a:satMod val="115000"/>
+                </a:srgbClr>
+              </a:gs>
+            </a:gsLst>
+            <a:path path="circle">
+              <a:fillToRect t="100000" r="100000"/>
+            </a:path>
+            <a:tileRect l="-100000" b="-100000"/>
+          </a:gradFill>
+        </p:spPr>
+        <p:txBody>
+          <a:bodyPr vert="horz" lIns="91440" tIns="45720" rIns="91440" bIns="45720" rtlCol="0" anchor="ctr">
+            <a:normAutofit/>
+          </a:bodyPr>
+          <a:lstStyle/>
+          <a:p>
+            <a:pPr lvl="0">
+              <a:spcBef>
+                <a:spcPct val="0"/>
+              </a:spcBef>
+            </a:pPr>
+            <a:r>
+              <a:rPr lang="en-US" altLang="zh-TW" sz="1600" dirty="0">
+                <a:latin typeface="+mj-lt"/>
+                <a:ea typeface="+mj-ea"/>
+                <a:cs typeface="+mj-cs"/>
+              </a:rPr>
+              <a:t>https://www.tutorialspoint.com/nodejs/nodejs_streams.htm</a:t>
+            </a:r>
+            <a:endParaRPr kumimoji="0" lang="zh-TW" altLang="en-US" sz="1600" b="0" i="0" u="none" strike="noStrike" kern="1200" cap="none" spc="0" normalizeH="0" baseline="0" noProof="0" dirty="0">
+              <a:ln>
+                <a:noFill/>
+              </a:ln>
+              <a:solidFill>
+                <a:schemeClr val="tx1"/>
+              </a:solidFill>
+              <a:effectLst/>
+              <a:uLnTx/>
+              <a:uFillTx/>
+              <a:latin typeface="+mj-lt"/>
+              <a:ea typeface="+mj-ea"/>
+              <a:cs typeface="+mj-cs"/>
+            </a:endParaRPr>
+          </a:p>
+        </p:txBody>
+      </p:sp>
+      <p:sp>
+        <p:nvSpPr>
           <p:cNvPr id="5" name="日期版面配置區 4"/>
           <p:cNvSpPr>
             <a:spLocks noGrp="1"/>
@@ -5715,10 +6688,10 @@
           <a:bodyPr/>
           <a:lstStyle/>
           <a:p>
-            <a:fld id="{4E46BE27-E923-4EC2-B046-3272AE2A3E5C}" type="datetime1">
+            <a:fld id="{A4F910E6-8D00-4BAF-8C48-9688E0B449D3}" type="datetime1">
               <a:rPr lang="zh-TW" altLang="en-US" smtClean="0"/>
               <a:pPr/>
-              <a:t>2018/10/3</a:t>
+              <a:t>2019/2/28</a:t>
             </a:fld>
             <a:endParaRPr lang="zh-TW" altLang="en-US"/>
           </a:p>
@@ -5749,6 +6722,339 @@
         </p:txBody>
       </p:sp>
     </p:spTree>
+    <p:extLst>
+      <p:ext uri="{BB962C8B-B14F-4D97-AF65-F5344CB8AC3E}">
+        <p14:creationId xmlns:p14="http://schemas.microsoft.com/office/powerpoint/2010/main" val="439030639"/>
+      </p:ext>
+    </p:extLst>
+  </p:cSld>
+  <p:clrMapOvr>
+    <a:masterClrMapping/>
+  </p:clrMapOvr>
+</p:sld>
+</file>
+
+<file path=ppt/slides/slide9.xml><?xml version="1.0" encoding="utf-8"?>
+<p:sld xmlns:a="http://schemas.openxmlformats.org/drawingml/2006/main" xmlns:r="http://schemas.openxmlformats.org/officeDocument/2006/relationships" xmlns:p="http://schemas.openxmlformats.org/presentationml/2006/main">
+  <p:cSld>
+    <p:spTree>
+      <p:nvGrpSpPr>
+        <p:cNvPr id="1" name=""/>
+        <p:cNvGrpSpPr/>
+        <p:nvPr/>
+      </p:nvGrpSpPr>
+      <p:grpSpPr>
+        <a:xfrm>
+          <a:off x="0" y="0"/>
+          <a:ext cx="0" cy="0"/>
+          <a:chOff x="0" y="0"/>
+          <a:chExt cx="0" cy="0"/>
+        </a:xfrm>
+      </p:grpSpPr>
+      <p:sp>
+        <p:nvSpPr>
+          <p:cNvPr id="2" name="標題 1"/>
+          <p:cNvSpPr>
+            <a:spLocks noGrp="1"/>
+          </p:cNvSpPr>
+          <p:nvPr>
+            <p:ph type="ctrTitle"/>
+          </p:nvPr>
+        </p:nvSpPr>
+        <p:spPr>
+          <a:xfrm>
+            <a:off x="0" y="1"/>
+            <a:ext cx="9144000" cy="764704"/>
+          </a:xfrm>
+          <a:gradFill flip="none" rotWithShape="1">
+            <a:gsLst>
+              <a:gs pos="0">
+                <a:srgbClr val="C00000">
+                  <a:shade val="30000"/>
+                  <a:satMod val="115000"/>
+                </a:srgbClr>
+              </a:gs>
+              <a:gs pos="50000">
+                <a:srgbClr val="C00000">
+                  <a:shade val="67500"/>
+                  <a:satMod val="115000"/>
+                </a:srgbClr>
+              </a:gs>
+              <a:gs pos="100000">
+                <a:srgbClr val="C00000">
+                  <a:shade val="100000"/>
+                  <a:satMod val="115000"/>
+                </a:srgbClr>
+              </a:gs>
+            </a:gsLst>
+            <a:path path="circle">
+              <a:fillToRect t="100000" r="100000"/>
+            </a:path>
+            <a:tileRect l="-100000" b="-100000"/>
+          </a:gradFill>
+        </p:spPr>
+        <p:txBody>
+          <a:bodyPr/>
+          <a:lstStyle/>
+          <a:p>
+            <a:pPr algn="l"/>
+            <a:r>
+              <a:rPr lang="en-US" altLang="zh-TW" b="1" dirty="0">
+                <a:solidFill>
+                  <a:srgbClr val="FFFF00"/>
+                </a:solidFill>
+              </a:rPr>
+              <a:t>11 Stream</a:t>
+            </a:r>
+            <a:endParaRPr lang="zh-TW" altLang="en-US" b="1" dirty="0">
+              <a:solidFill>
+                <a:srgbClr val="FFFF00"/>
+              </a:solidFill>
+            </a:endParaRPr>
+          </a:p>
+        </p:txBody>
+      </p:sp>
+      <p:sp>
+        <p:nvSpPr>
+          <p:cNvPr id="3" name="副標題 2"/>
+          <p:cNvSpPr>
+            <a:spLocks noGrp="1"/>
+          </p:cNvSpPr>
+          <p:nvPr>
+            <p:ph type="subTitle" idx="1"/>
+          </p:nvPr>
+        </p:nvSpPr>
+        <p:spPr>
+          <a:xfrm>
+            <a:off x="467544" y="1268760"/>
+            <a:ext cx="8424936" cy="360040"/>
+          </a:xfrm>
+          <a:ln>
+            <a:solidFill>
+              <a:srgbClr val="C00000"/>
+            </a:solidFill>
+          </a:ln>
+        </p:spPr>
+        <p:txBody>
+          <a:bodyPr>
+            <a:noAutofit/>
+          </a:bodyPr>
+          <a:lstStyle/>
+          <a:p>
+            <a:pPr marL="342900" indent="-342900">
+              <a:buSzPct val="80000"/>
+            </a:pPr>
+            <a:r>
+              <a:rPr lang="en-US" b="1" dirty="0"/>
+              <a:t>Example: Compress Zip File</a:t>
+            </a:r>
+            <a:endParaRPr lang="en-US" dirty="0"/>
+          </a:p>
+        </p:txBody>
+      </p:sp>
+      <p:sp>
+        <p:nvSpPr>
+          <p:cNvPr id="4" name="標題 1"/>
+          <p:cNvSpPr txBox="1">
+            <a:spLocks/>
+          </p:cNvSpPr>
+          <p:nvPr/>
+        </p:nvSpPr>
+        <p:spPr>
+          <a:xfrm>
+            <a:off x="0" y="764704"/>
+            <a:ext cx="9144000" cy="360040"/>
+          </a:xfrm>
+          <a:prstGeom prst="rect">
+            <a:avLst/>
+          </a:prstGeom>
+          <a:gradFill flip="none" rotWithShape="1">
+            <a:gsLst>
+              <a:gs pos="0">
+                <a:srgbClr val="00B0F0">
+                  <a:shade val="30000"/>
+                  <a:satMod val="115000"/>
+                </a:srgbClr>
+              </a:gs>
+              <a:gs pos="50000">
+                <a:srgbClr val="00B0F0">
+                  <a:shade val="67500"/>
+                  <a:satMod val="115000"/>
+                </a:srgbClr>
+              </a:gs>
+              <a:gs pos="100000">
+                <a:srgbClr val="00B0F0">
+                  <a:shade val="100000"/>
+                  <a:satMod val="115000"/>
+                </a:srgbClr>
+              </a:gs>
+            </a:gsLst>
+            <a:path path="circle">
+              <a:fillToRect t="100000" r="100000"/>
+            </a:path>
+            <a:tileRect l="-100000" b="-100000"/>
+          </a:gradFill>
+        </p:spPr>
+        <p:txBody>
+          <a:bodyPr vert="horz" lIns="91440" tIns="45720" rIns="91440" bIns="45720" rtlCol="0" anchor="ctr">
+            <a:normAutofit/>
+          </a:bodyPr>
+          <a:lstStyle/>
+          <a:p>
+            <a:pPr lvl="0">
+              <a:spcBef>
+                <a:spcPct val="0"/>
+              </a:spcBef>
+            </a:pPr>
+            <a:r>
+              <a:rPr lang="en-US" altLang="zh-TW" sz="1600" dirty="0">
+                <a:latin typeface="+mj-lt"/>
+                <a:ea typeface="+mj-ea"/>
+                <a:cs typeface="+mj-cs"/>
+              </a:rPr>
+              <a:t>https://www.tutorialspoint.com/nodejs/nodejs_streams.htm</a:t>
+            </a:r>
+            <a:endParaRPr kumimoji="0" lang="zh-TW" altLang="en-US" sz="1600" b="0" i="0" u="none" strike="noStrike" kern="1200" cap="none" spc="0" normalizeH="0" baseline="0" noProof="0" dirty="0">
+              <a:ln>
+                <a:noFill/>
+              </a:ln>
+              <a:solidFill>
+                <a:schemeClr val="tx1"/>
+              </a:solidFill>
+              <a:effectLst/>
+              <a:uLnTx/>
+              <a:uFillTx/>
+              <a:latin typeface="+mj-lt"/>
+              <a:ea typeface="+mj-ea"/>
+              <a:cs typeface="+mj-cs"/>
+            </a:endParaRPr>
+          </a:p>
+        </p:txBody>
+      </p:sp>
+      <p:sp>
+        <p:nvSpPr>
+          <p:cNvPr id="5" name="日期版面配置區 4"/>
+          <p:cNvSpPr>
+            <a:spLocks noGrp="1"/>
+          </p:cNvSpPr>
+          <p:nvPr>
+            <p:ph type="dt" sz="half" idx="10"/>
+          </p:nvPr>
+        </p:nvSpPr>
+        <p:spPr/>
+        <p:txBody>
+          <a:bodyPr/>
+          <a:lstStyle/>
+          <a:p>
+            <a:fld id="{A4F910E6-8D00-4BAF-8C48-9688E0B449D3}" type="datetime1">
+              <a:rPr lang="zh-TW" altLang="en-US" smtClean="0"/>
+              <a:pPr/>
+              <a:t>2019/2/28</a:t>
+            </a:fld>
+            <a:endParaRPr lang="zh-TW" altLang="en-US"/>
+          </a:p>
+        </p:txBody>
+      </p:sp>
+      <p:sp>
+        <p:nvSpPr>
+          <p:cNvPr id="6" name="投影片編號版面配置區 5"/>
+          <p:cNvSpPr>
+            <a:spLocks noGrp="1"/>
+          </p:cNvSpPr>
+          <p:nvPr>
+            <p:ph type="sldNum" sz="quarter" idx="12"/>
+          </p:nvPr>
+        </p:nvSpPr>
+        <p:spPr/>
+        <p:txBody>
+          <a:bodyPr/>
+          <a:lstStyle/>
+          <a:p>
+            <a:fld id="{E4D7E63D-91F2-4366-A2C4-1B00C9E2590E}" type="slidenum">
+              <a:rPr lang="zh-TW" altLang="en-US" smtClean="0"/>
+              <a:pPr/>
+              <a:t>9</a:t>
+            </a:fld>
+            <a:endParaRPr lang="zh-TW" altLang="en-US"/>
+          </a:p>
+        </p:txBody>
+      </p:sp>
+      <p:pic>
+        <p:nvPicPr>
+          <p:cNvPr id="11" name="Picture 10">
+            <a:extLst>
+              <a:ext uri="{FF2B5EF4-FFF2-40B4-BE49-F238E27FC236}">
+                <a16:creationId xmlns:a16="http://schemas.microsoft.com/office/drawing/2014/main" id="{74141B45-AAE0-4636-BBA2-06B5A6393130}"/>
+              </a:ext>
+            </a:extLst>
+          </p:cNvPr>
+          <p:cNvPicPr>
+            <a:picLocks noChangeAspect="1"/>
+          </p:cNvPicPr>
+          <p:nvPr/>
+        </p:nvPicPr>
+        <p:blipFill>
+          <a:blip r:embed="rId2"/>
+          <a:stretch>
+            <a:fillRect/>
+          </a:stretch>
+        </p:blipFill>
+        <p:spPr>
+          <a:xfrm>
+            <a:off x="979234" y="5039817"/>
+            <a:ext cx="7724775" cy="904875"/>
+          </a:xfrm>
+          <a:prstGeom prst="rect">
+            <a:avLst/>
+          </a:prstGeom>
+          <a:ln>
+            <a:solidFill>
+              <a:srgbClr val="C00000"/>
+            </a:solidFill>
+          </a:ln>
+        </p:spPr>
+      </p:pic>
+      <p:pic>
+        <p:nvPicPr>
+          <p:cNvPr id="13" name="Picture 12">
+            <a:extLst>
+              <a:ext uri="{FF2B5EF4-FFF2-40B4-BE49-F238E27FC236}">
+                <a16:creationId xmlns:a16="http://schemas.microsoft.com/office/drawing/2014/main" id="{5B81C489-EFAE-47C7-9FA2-702C057EA6A9}"/>
+              </a:ext>
+            </a:extLst>
+          </p:cNvPr>
+          <p:cNvPicPr>
+            <a:picLocks noChangeAspect="1"/>
+          </p:cNvPicPr>
+          <p:nvPr/>
+        </p:nvPicPr>
+        <p:blipFill>
+          <a:blip r:embed="rId3"/>
+          <a:stretch>
+            <a:fillRect/>
+          </a:stretch>
+        </p:blipFill>
+        <p:spPr>
+          <a:xfrm>
+            <a:off x="467544" y="1740988"/>
+            <a:ext cx="5610225" cy="3095625"/>
+          </a:xfrm>
+          <a:prstGeom prst="rect">
+            <a:avLst/>
+          </a:prstGeom>
+          <a:ln>
+            <a:solidFill>
+              <a:srgbClr val="C00000"/>
+            </a:solidFill>
+          </a:ln>
+        </p:spPr>
+      </p:pic>
+    </p:spTree>
+    <p:extLst>
+      <p:ext uri="{BB962C8B-B14F-4D97-AF65-F5344CB8AC3E}">
+        <p14:creationId xmlns:p14="http://schemas.microsoft.com/office/powerpoint/2010/main" val="4042232078"/>
+      </p:ext>
+    </p:extLst>
   </p:cSld>
   <p:clrMapOvr>
     <a:masterClrMapping/>
